--- a/babel.pptx
+++ b/babel.pptx
@@ -8,6 +8,8 @@
     <p:sldId id="256" r:id="rId2"/>
     <p:sldId id="257" r:id="rId3"/>
     <p:sldId id="258" r:id="rId4"/>
+    <p:sldId id="259" r:id="rId5"/>
+    <p:sldId id="260" r:id="rId6"/>
   </p:sldIdLst>
   <p:sldSz cx="12192000" cy="6858000"/>
   <p:notesSz cx="6858000" cy="9144000"/>
@@ -450,7 +452,7 @@
             <a:fld id="{5923F103-BC34-4FE4-A40E-EDDEECFDA5D0}" type="datetimeFigureOut">
               <a:rPr lang="en-US" dirty="0"/>
               <a:pPr/>
-              <a:t>12/16/19</a:t>
+              <a:t>12/18/19</a:t>
             </a:fld>
             <a:endParaRPr lang="en-US" dirty="0"/>
           </a:p>
@@ -1534,7 +1536,7 @@
           <a:p>
             <a:fld id="{923A1CC3-2375-41D4-9E03-427CAF2A4C1A}" type="datetimeFigureOut">
               <a:rPr lang="en-US" dirty="0"/>
-              <a:t>12/16/19</a:t>
+              <a:t>12/18/19</a:t>
             </a:fld>
             <a:endParaRPr lang="en-US" dirty="0"/>
           </a:p>
@@ -2510,7 +2512,7 @@
           <a:p>
             <a:fld id="{AFF16868-8199-4C2C-A5B1-63AEE139F88E}" type="datetimeFigureOut">
               <a:rPr lang="en-US" dirty="0"/>
-              <a:t>12/16/19</a:t>
+              <a:t>12/18/19</a:t>
             </a:fld>
             <a:endParaRPr lang="en-US" dirty="0"/>
           </a:p>
@@ -3640,7 +3642,7 @@
           <a:p>
             <a:fld id="{AAD9FF7F-6988-44CC-821B-644E70CD2F73}" type="datetimeFigureOut">
               <a:rPr lang="en-US" dirty="0"/>
-              <a:t>12/16/19</a:t>
+              <a:t>12/18/19</a:t>
             </a:fld>
             <a:endParaRPr lang="en-US" dirty="0"/>
           </a:p>
@@ -4669,7 +4671,7 @@
           <a:p>
             <a:fld id="{5C12C299-16B2-4475-990D-751901EACC14}" type="datetimeFigureOut">
               <a:rPr lang="en-US" dirty="0"/>
-              <a:t>12/16/19</a:t>
+              <a:t>12/18/19</a:t>
             </a:fld>
             <a:endParaRPr lang="en-US" dirty="0"/>
           </a:p>
@@ -5325,7 +5327,7 @@
           <a:p>
             <a:fld id="{9FE86839-B9D8-4651-8783-F325ECE74E65}" type="datetimeFigureOut">
               <a:rPr lang="en-US" dirty="0"/>
-              <a:t>12/16/19</a:t>
+              <a:t>12/18/19</a:t>
             </a:fld>
             <a:endParaRPr lang="en-US" dirty="0"/>
           </a:p>
@@ -6182,7 +6184,7 @@
           <a:p>
             <a:fld id="{FD484F64-32F6-45C5-931F-ADC1662401D0}" type="datetimeFigureOut">
               <a:rPr lang="en-US" dirty="0"/>
-              <a:t>12/16/19</a:t>
+              <a:t>12/18/19</a:t>
             </a:fld>
             <a:endParaRPr lang="en-US" dirty="0"/>
           </a:p>
@@ -6368,7 +6370,7 @@
           <a:p>
             <a:fld id="{53086D93-FCAC-47E0-A2EE-787E62CA814C}" type="datetimeFigureOut">
               <a:rPr lang="en-US" dirty="0"/>
-              <a:t>12/16/19</a:t>
+              <a:t>12/18/19</a:t>
             </a:fld>
             <a:endParaRPr lang="en-US" dirty="0"/>
           </a:p>
@@ -7336,7 +7338,7 @@
           <a:p>
             <a:fld id="{CDA879A6-0FD0-4734-A311-86BFCA472E6E}" type="datetimeFigureOut">
               <a:rPr lang="en-US" dirty="0"/>
-              <a:t>12/16/19</a:t>
+              <a:t>12/18/19</a:t>
             </a:fld>
             <a:endParaRPr lang="en-US" dirty="0"/>
           </a:p>
@@ -7543,7 +7545,7 @@
           <a:p>
             <a:fld id="{19C9CA7B-DFD4-44B5-8C60-D14B8CD1FB59}" type="datetimeFigureOut">
               <a:rPr lang="en-US" dirty="0"/>
-              <a:t>12/16/19</a:t>
+              <a:t>12/18/19</a:t>
             </a:fld>
             <a:endParaRPr lang="en-US" dirty="0"/>
           </a:p>
@@ -8573,7 +8575,7 @@
           <a:p>
             <a:fld id="{F34E6425-0181-43F2-84FC-787E803FD2F8}" type="datetimeFigureOut">
               <a:rPr lang="en-US" dirty="0"/>
-              <a:t>12/16/19</a:t>
+              <a:t>12/18/19</a:t>
             </a:fld>
             <a:endParaRPr lang="en-US" dirty="0"/>
           </a:p>
@@ -8841,7 +8843,7 @@
           <a:p>
             <a:fld id="{3BDB8791-F1B0-41E7-B7FD-A781E65C4266}" type="datetimeFigureOut">
               <a:rPr lang="en-US" dirty="0"/>
-              <a:t>12/16/19</a:t>
+              <a:t>12/18/19</a:t>
             </a:fld>
             <a:endParaRPr lang="en-US" dirty="0"/>
           </a:p>
@@ -9247,7 +9249,7 @@
           <a:p>
             <a:fld id="{5FDD63B2-E120-4ED8-B27B-C685F510A5FE}" type="datetimeFigureOut">
               <a:rPr lang="en-US" dirty="0"/>
-              <a:t>12/16/19</a:t>
+              <a:t>12/18/19</a:t>
             </a:fld>
             <a:endParaRPr lang="en-US" dirty="0"/>
           </a:p>
@@ -9370,7 +9372,7 @@
           <a:p>
             <a:fld id="{7AA18ACC-A947-437B-A130-35BD54FDF1E9}" type="datetimeFigureOut">
               <a:rPr lang="en-US" dirty="0"/>
-              <a:t>12/16/19</a:t>
+              <a:t>12/18/19</a:t>
             </a:fld>
             <a:endParaRPr lang="en-US" dirty="0"/>
           </a:p>
@@ -9461,7 +9463,7 @@
           <a:p>
             <a:fld id="{7C8D7E02-BCB8-4D50-A234-369438C08659}" type="datetimeFigureOut">
               <a:rPr lang="en-US" dirty="0"/>
-              <a:t>12/16/19</a:t>
+              <a:t>12/18/19</a:t>
             </a:fld>
             <a:endParaRPr lang="en-US" dirty="0"/>
           </a:p>
@@ -10538,7 +10540,7 @@
           <a:p>
             <a:fld id="{76E86A4C-8E40-4F87-A4F0-01A0687C5742}" type="datetimeFigureOut">
               <a:rPr lang="en-US" dirty="0"/>
-              <a:t>12/16/19</a:t>
+              <a:t>12/18/19</a:t>
             </a:fld>
             <a:endParaRPr lang="en-US" dirty="0"/>
           </a:p>
@@ -11642,7 +11644,7 @@
           <a:p>
             <a:fld id="{35E72C73-2D91-4E12-BA25-F0AA0C03599B}" type="datetimeFigureOut">
               <a:rPr lang="en-US" dirty="0"/>
-              <a:t>12/16/19</a:t>
+              <a:t>12/18/19</a:t>
             </a:fld>
             <a:endParaRPr lang="en-US" dirty="0"/>
           </a:p>
@@ -12635,7 +12637,7 @@
           <a:p>
             <a:fld id="{2BE451C3-0FF4-47C4-B829-773ADF60F88C}" type="datetimeFigureOut">
               <a:rPr lang="en-US" dirty="0"/>
-              <a:t>12/16/19</a:t>
+              <a:t>12/18/19</a:t>
             </a:fld>
             <a:endParaRPr lang="en-US" dirty="0"/>
           </a:p>
@@ -13510,6 +13512,361 @@
 </p:sld>
 </file>
 
+<file path=ppt/slides/slide4.xml><?xml version="1.0" encoding="utf-8"?>
+<p:sld xmlns:a="http://schemas.openxmlformats.org/drawingml/2006/main" xmlns:r="http://schemas.openxmlformats.org/officeDocument/2006/relationships" xmlns:p="http://schemas.openxmlformats.org/presentationml/2006/main">
+  <p:cSld>
+    <p:spTree>
+      <p:nvGrpSpPr>
+        <p:cNvPr id="1" name=""/>
+        <p:cNvGrpSpPr/>
+        <p:nvPr/>
+      </p:nvGrpSpPr>
+      <p:grpSpPr>
+        <a:xfrm>
+          <a:off x="0" y="0"/>
+          <a:ext cx="0" cy="0"/>
+          <a:chOff x="0" y="0"/>
+          <a:chExt cx="0" cy="0"/>
+        </a:xfrm>
+      </p:grpSpPr>
+      <p:sp>
+        <p:nvSpPr>
+          <p:cNvPr id="2" name="标题 1"/>
+          <p:cNvSpPr>
+            <a:spLocks noGrp="1"/>
+          </p:cNvSpPr>
+          <p:nvPr>
+            <p:ph type="title"/>
+          </p:nvPr>
+        </p:nvSpPr>
+        <p:spPr/>
+        <p:txBody>
+          <a:bodyPr/>
+          <a:lstStyle/>
+          <a:p>
+            <a:r>
+              <a:rPr kumimoji="1" lang="en-US" altLang="zh-CN" dirty="0" smtClean="0"/>
+              <a:t>Babel</a:t>
+            </a:r>
+            <a:r>
+              <a:rPr kumimoji="1" lang="zh-CN" altLang="en-US" dirty="0" smtClean="0"/>
+              <a:t> 插件</a:t>
+            </a:r>
+            <a:endParaRPr kumimoji="1" lang="zh-CN" altLang="en-US" dirty="0"/>
+          </a:p>
+        </p:txBody>
+      </p:sp>
+      <p:sp>
+        <p:nvSpPr>
+          <p:cNvPr id="3" name="内容占位符 2"/>
+          <p:cNvSpPr>
+            <a:spLocks noGrp="1"/>
+          </p:cNvSpPr>
+          <p:nvPr>
+            <p:ph idx="1"/>
+          </p:nvPr>
+        </p:nvSpPr>
+        <p:spPr/>
+        <p:txBody>
+          <a:bodyPr/>
+          <a:lstStyle/>
+          <a:p>
+            <a:r>
+              <a:rPr kumimoji="1" lang="zh-CN" altLang="en-US" dirty="0" smtClean="0"/>
+              <a:t>功能：转换代码。</a:t>
+            </a:r>
+            <a:endParaRPr kumimoji="1" lang="en-US" altLang="zh-CN" dirty="0" smtClean="0"/>
+          </a:p>
+          <a:p>
+            <a:r>
+              <a:rPr kumimoji="1" lang="zh-CN" altLang="en-US" dirty="0" smtClean="0"/>
+              <a:t>用法：</a:t>
+            </a:r>
+            <a:r>
+              <a:rPr kumimoji="1" lang="en-US" altLang="zh-CN" dirty="0" smtClean="0"/>
+              <a:t>plugins: [‘plugin1’, ‘plugin2’ ]; plugins: [[‘plugins’, { </a:t>
+            </a:r>
+            <a:r>
+              <a:rPr kumimoji="1" lang="en-US" altLang="zh-CN" dirty="0" err="1" smtClean="0"/>
+              <a:t>params</a:t>
+            </a:r>
+            <a:r>
+              <a:rPr kumimoji="1" lang="en-US" altLang="zh-CN" dirty="0" smtClean="0"/>
+              <a:t> }]]</a:t>
+            </a:r>
+          </a:p>
+          <a:p>
+            <a:r>
+              <a:rPr kumimoji="1" lang="zh-CN" altLang="en-US" dirty="0" smtClean="0"/>
+              <a:t>插件短名称： 如果插件名称前缀是 </a:t>
+            </a:r>
+            <a:r>
+              <a:rPr kumimoji="1" lang="en-US" altLang="zh-CN" dirty="0" smtClean="0"/>
+              <a:t>babel-</a:t>
+            </a:r>
+            <a:r>
+              <a:rPr kumimoji="1" lang="en-US" altLang="zh-CN" dirty="0" err="1" smtClean="0"/>
+              <a:t>plgin</a:t>
+            </a:r>
+            <a:r>
+              <a:rPr kumimoji="1" lang="en-US" altLang="zh-CN" dirty="0" smtClean="0"/>
+              <a:t>- </a:t>
+            </a:r>
+            <a:r>
+              <a:rPr kumimoji="1" lang="zh-CN" altLang="en-US" dirty="0" smtClean="0"/>
+              <a:t>可以省略前缀。</a:t>
+            </a:r>
+            <a:endParaRPr kumimoji="1" lang="en-US" altLang="zh-CN" dirty="0" smtClean="0"/>
+          </a:p>
+          <a:p>
+            <a:r>
+              <a:rPr kumimoji="1" lang="zh-CN" altLang="en-US" dirty="0" smtClean="0"/>
+              <a:t>插件执行：先于</a:t>
+            </a:r>
+            <a:r>
+              <a:rPr kumimoji="1" lang="en-US" altLang="zh-CN" dirty="0" smtClean="0"/>
+              <a:t>preset</a:t>
+            </a:r>
+            <a:r>
+              <a:rPr kumimoji="1" lang="zh-CN" altLang="en-US" dirty="0" smtClean="0"/>
+              <a:t>执行，顺序从前往后。</a:t>
+            </a:r>
+            <a:endParaRPr kumimoji="1" lang="zh-CN" altLang="en-US" dirty="0"/>
+          </a:p>
+        </p:txBody>
+      </p:sp>
+    </p:spTree>
+    <p:extLst>
+      <p:ext uri="{BB962C8B-B14F-4D97-AF65-F5344CB8AC3E}">
+        <p14:creationId xmlns:p14="http://schemas.microsoft.com/office/powerpoint/2010/main" val="1802012123"/>
+      </p:ext>
+    </p:extLst>
+  </p:cSld>
+  <p:clrMapOvr>
+    <a:masterClrMapping/>
+  </p:clrMapOvr>
+</p:sld>
+</file>
+
+<file path=ppt/slides/slide5.xml><?xml version="1.0" encoding="utf-8"?>
+<p:sld xmlns:a="http://schemas.openxmlformats.org/drawingml/2006/main" xmlns:r="http://schemas.openxmlformats.org/officeDocument/2006/relationships" xmlns:p="http://schemas.openxmlformats.org/presentationml/2006/main">
+  <p:cSld>
+    <p:spTree>
+      <p:nvGrpSpPr>
+        <p:cNvPr id="1" name=""/>
+        <p:cNvGrpSpPr/>
+        <p:nvPr/>
+      </p:nvGrpSpPr>
+      <p:grpSpPr>
+        <a:xfrm>
+          <a:off x="0" y="0"/>
+          <a:ext cx="0" cy="0"/>
+          <a:chOff x="0" y="0"/>
+          <a:chExt cx="0" cy="0"/>
+        </a:xfrm>
+      </p:grpSpPr>
+      <p:sp>
+        <p:nvSpPr>
+          <p:cNvPr id="2" name="标题 1"/>
+          <p:cNvSpPr>
+            <a:spLocks noGrp="1"/>
+          </p:cNvSpPr>
+          <p:nvPr>
+            <p:ph type="title"/>
+          </p:nvPr>
+        </p:nvSpPr>
+        <p:spPr/>
+        <p:txBody>
+          <a:bodyPr/>
+          <a:lstStyle/>
+          <a:p>
+            <a:r>
+              <a:rPr kumimoji="1" lang="en-US" altLang="zh-CN" dirty="0" err="1" smtClean="0"/>
+              <a:t>Persets</a:t>
+            </a:r>
+            <a:r>
+              <a:rPr kumimoji="1" lang="en-US" altLang="zh-CN" dirty="0" smtClean="0"/>
+              <a:t> </a:t>
+            </a:r>
+            <a:r>
+              <a:rPr kumimoji="1" lang="zh-CN" altLang="en-US" dirty="0" smtClean="0"/>
+              <a:t>预设</a:t>
+            </a:r>
+            <a:endParaRPr kumimoji="1" lang="zh-CN" altLang="en-US" dirty="0"/>
+          </a:p>
+        </p:txBody>
+      </p:sp>
+      <p:sp>
+        <p:nvSpPr>
+          <p:cNvPr id="3" name="内容占位符 2"/>
+          <p:cNvSpPr>
+            <a:spLocks noGrp="1"/>
+          </p:cNvSpPr>
+          <p:nvPr>
+            <p:ph idx="1"/>
+          </p:nvPr>
+        </p:nvSpPr>
+        <p:spPr/>
+        <p:txBody>
+          <a:bodyPr/>
+          <a:lstStyle/>
+          <a:p>
+            <a:r>
+              <a:rPr kumimoji="1" lang="zh-CN" altLang="en-US" dirty="0" smtClean="0"/>
+              <a:t>作用：</a:t>
+            </a:r>
+            <a:r>
+              <a:rPr kumimoji="1" lang="en-US" altLang="zh-CN" dirty="0" smtClean="0"/>
+              <a:t>preset</a:t>
+            </a:r>
+            <a:r>
+              <a:rPr kumimoji="1" lang="zh-CN" altLang="en-US" dirty="0" smtClean="0"/>
+              <a:t>作为</a:t>
+            </a:r>
+            <a:r>
+              <a:rPr kumimoji="1" lang="en-US" altLang="zh-CN" dirty="0" smtClean="0"/>
+              <a:t>Babel</a:t>
+            </a:r>
+            <a:r>
+              <a:rPr kumimoji="1" lang="zh-CN" altLang="en-US" dirty="0" smtClean="0"/>
+              <a:t>插件的组合。</a:t>
+            </a:r>
+            <a:endParaRPr kumimoji="1" lang="en-US" altLang="zh-CN" dirty="0" smtClean="0"/>
+          </a:p>
+          <a:p>
+            <a:r>
+              <a:rPr kumimoji="1" lang="zh-CN" altLang="en-US" dirty="0" smtClean="0"/>
+              <a:t>官方</a:t>
+            </a:r>
+            <a:r>
+              <a:rPr kumimoji="1" lang="en-US" altLang="zh-CN" dirty="0" smtClean="0"/>
+              <a:t>preset</a:t>
+            </a:r>
+            <a:r>
+              <a:rPr kumimoji="1" lang="zh-CN" altLang="en-US" dirty="0" smtClean="0"/>
+              <a:t>：</a:t>
+            </a:r>
+            <a:endParaRPr kumimoji="1" lang="en-US" altLang="zh-CN" dirty="0" smtClean="0"/>
+          </a:p>
+          <a:p>
+            <a:pPr lvl="1"/>
+            <a:r>
+              <a:rPr kumimoji="1" lang="en-US" altLang="zh-CN" dirty="0" smtClean="0"/>
+              <a:t>@babel/</a:t>
+            </a:r>
+            <a:r>
+              <a:rPr kumimoji="1" lang="en-US" altLang="zh-CN" dirty="0" err="1" smtClean="0"/>
+              <a:t>perset-env</a:t>
+            </a:r>
+            <a:r>
+              <a:rPr kumimoji="1" lang="en-US" altLang="zh-CN" dirty="0" smtClean="0"/>
+              <a:t> // </a:t>
+            </a:r>
+            <a:r>
+              <a:rPr kumimoji="1" lang="zh-CN" altLang="en-US" dirty="0" smtClean="0"/>
+              <a:t>常见的儿时语法</a:t>
+            </a:r>
+            <a:endParaRPr kumimoji="1" lang="en-US" altLang="zh-CN" dirty="0" smtClean="0"/>
+          </a:p>
+          <a:p>
+            <a:pPr lvl="1"/>
+            <a:r>
+              <a:rPr kumimoji="1" lang="en-US" altLang="zh-CN" dirty="0" smtClean="0"/>
+              <a:t>@babel/</a:t>
+            </a:r>
+            <a:r>
+              <a:rPr lang="en-US" altLang="zh-CN" dirty="0"/>
+              <a:t>@</a:t>
+            </a:r>
+            <a:r>
+              <a:rPr lang="en-US" altLang="zh-CN" dirty="0" smtClean="0"/>
+              <a:t>babel/</a:t>
+            </a:r>
+            <a:r>
+              <a:rPr lang="en-US" altLang="zh-CN" dirty="0" err="1" smtClean="0"/>
+              <a:t>polyfill</a:t>
+            </a:r>
+            <a:r>
+              <a:rPr lang="en-US" altLang="zh-CN" dirty="0" smtClean="0"/>
+              <a:t> // </a:t>
+            </a:r>
+            <a:r>
+              <a:rPr lang="en-US" altLang="zh-CN" dirty="0" err="1" smtClean="0"/>
+              <a:t>esnest</a:t>
+            </a:r>
+            <a:r>
+              <a:rPr lang="en-US" altLang="zh-CN" dirty="0" smtClean="0"/>
+              <a:t> </a:t>
+            </a:r>
+            <a:r>
+              <a:rPr lang="zh-CN" altLang="en-US" dirty="0" smtClean="0"/>
+              <a:t>的支持，动态添加</a:t>
+            </a:r>
+            <a:r>
+              <a:rPr lang="en-US" altLang="zh-CN" dirty="0" smtClean="0"/>
+              <a:t>require()</a:t>
+            </a:r>
+            <a:endParaRPr kumimoji="1" lang="en-US" altLang="zh-CN" dirty="0" smtClean="0"/>
+          </a:p>
+          <a:p>
+            <a:pPr lvl="1"/>
+            <a:r>
+              <a:rPr kumimoji="1" lang="en-US" altLang="zh-CN" dirty="0" smtClean="0"/>
+              <a:t>@babel/react</a:t>
+            </a:r>
+          </a:p>
+          <a:p>
+            <a:pPr lvl="1"/>
+            <a:r>
+              <a:rPr kumimoji="1" lang="mr-IN" altLang="zh-CN" dirty="0" smtClean="0"/>
+              <a:t>…</a:t>
+            </a:r>
+            <a:r>
+              <a:rPr kumimoji="1" lang="en-US" altLang="zh-CN" dirty="0" smtClean="0"/>
+              <a:t>.</a:t>
+            </a:r>
+          </a:p>
+          <a:p>
+            <a:r>
+              <a:rPr kumimoji="1" lang="zh-CN" altLang="en-US" dirty="0" smtClean="0"/>
+              <a:t>执行顺序和</a:t>
+            </a:r>
+            <a:r>
+              <a:rPr kumimoji="1" lang="en-US" altLang="zh-CN" dirty="0" smtClean="0"/>
+              <a:t>plugins </a:t>
+            </a:r>
+            <a:r>
+              <a:rPr kumimoji="1" lang="zh-CN" altLang="en-US" dirty="0" smtClean="0"/>
+              <a:t>相反，其他相同（参数，短</a:t>
+            </a:r>
+            <a:r>
+              <a:rPr kumimoji="1" lang="zh-CN" altLang="en-US" smtClean="0"/>
+              <a:t>名称，路径）</a:t>
+            </a:r>
+            <a:endParaRPr kumimoji="1" lang="en-US" altLang="zh-CN" dirty="0" smtClean="0"/>
+          </a:p>
+        </p:txBody>
+      </p:sp>
+    </p:spTree>
+    <p:extLst>
+      <p:ext uri="{BB962C8B-B14F-4D97-AF65-F5344CB8AC3E}">
+        <p14:creationId xmlns:p14="http://schemas.microsoft.com/office/powerpoint/2010/main" val="307863060"/>
+      </p:ext>
+    </p:extLst>
+  </p:cSld>
+  <p:clrMapOvr>
+    <a:masterClrMapping/>
+  </p:clrMapOvr>
+  <p:timing>
+    <p:tnLst>
+      <p:par>
+        <p:cTn id="1" dur="indefinite" restart="never" nodeType="tmRoot"/>
+      </p:par>
+    </p:tnLst>
+  </p:timing>
+</p:sld>
+</file>
+
 <file path=ppt/theme/theme1.xml><?xml version="1.0" encoding="utf-8"?>
 <a:theme xmlns:a="http://schemas.openxmlformats.org/drawingml/2006/main" name="离子会议室">
   <a:themeElements>

--- a/babel.pptx
+++ b/babel.pptx
@@ -8,8 +8,10 @@
     <p:sldId id="256" r:id="rId2"/>
     <p:sldId id="257" r:id="rId3"/>
     <p:sldId id="258" r:id="rId4"/>
-    <p:sldId id="259" r:id="rId5"/>
-    <p:sldId id="260" r:id="rId6"/>
+    <p:sldId id="262" r:id="rId5"/>
+    <p:sldId id="259" r:id="rId6"/>
+    <p:sldId id="260" r:id="rId7"/>
+    <p:sldId id="261" r:id="rId8"/>
   </p:sldIdLst>
   <p:sldSz cx="12192000" cy="6858000"/>
   <p:notesSz cx="6858000" cy="9144000"/>
@@ -13203,7 +13205,12 @@
             <p:ph type="ctrTitle"/>
           </p:nvPr>
         </p:nvSpPr>
-        <p:spPr/>
+        <p:spPr>
+          <a:xfrm>
+            <a:off x="1028499" y="987624"/>
+            <a:ext cx="8825658" cy="1014171"/>
+          </a:xfrm>
+        </p:spPr>
         <p:txBody>
           <a:bodyPr/>
           <a:lstStyle/>
@@ -13230,19 +13237,128 @@
             <p:ph type="subTitle" idx="1"/>
           </p:nvPr>
         </p:nvSpPr>
-        <p:spPr/>
+        <p:spPr>
+          <a:xfrm>
+            <a:off x="1149178" y="2286000"/>
+            <a:ext cx="9489990" cy="3348681"/>
+          </a:xfrm>
+        </p:spPr>
         <p:txBody>
-          <a:bodyPr/>
+          <a:bodyPr>
+            <a:normAutofit/>
+          </a:bodyPr>
           <a:lstStyle/>
           <a:p>
             <a:r>
+              <a:rPr lang="zh-CN" altLang="en-US" b="1" dirty="0"/>
+              <a:t>背景：</a:t>
+            </a:r>
+            <a:r>
+              <a:rPr lang="en-US" altLang="zh-CN" dirty="0" err="1"/>
+              <a:t>javascript</a:t>
+            </a:r>
+            <a:r>
+              <a:rPr lang="zh-CN" altLang="en-US" dirty="0"/>
+              <a:t>在不断的发展，但是浏览器的发展速度跟不上。</a:t>
+            </a:r>
+            <a:endParaRPr lang="en-US" altLang="zh-CN" b="1" dirty="0"/>
+          </a:p>
+          <a:p>
+            <a:endParaRPr kumimoji="1" lang="en-US" altLang="zh-CN" dirty="0" smtClean="0"/>
+          </a:p>
+          <a:p>
+            <a:r>
               <a:rPr kumimoji="1" lang="zh-CN" altLang="en-US" dirty="0" smtClean="0"/>
-              <a:t>理解</a:t>
-            </a:r>
-            <a:r>
-              <a:rPr kumimoji="1" lang="en-US" altLang="zh-CN" dirty="0" smtClean="0"/>
+              <a:t>历史：</a:t>
+            </a:r>
+            <a:endParaRPr kumimoji="1" lang="en-US" altLang="zh-CN" dirty="0" smtClean="0"/>
+          </a:p>
+          <a:p>
+            <a:r>
+              <a:rPr lang="mr-IN" altLang="zh-CN" dirty="0"/>
+              <a:t>2015-02-15</a:t>
+            </a:r>
+            <a:r>
+              <a:rPr lang="zh-CN" altLang="mr-IN" dirty="0"/>
+              <a:t>，</a:t>
+            </a:r>
+            <a:r>
+              <a:rPr lang="mr-IN" altLang="zh-CN" dirty="0"/>
+              <a:t>6to5</a:t>
+            </a:r>
+            <a:r>
+              <a:rPr lang="zh-CN" altLang="mr-IN" dirty="0"/>
+              <a:t>重命名为</a:t>
+            </a:r>
+            <a:r>
+              <a:rPr lang="mr-IN" altLang="zh-CN" dirty="0" err="1"/>
               <a:t>babel</a:t>
             </a:r>
+            <a:endParaRPr lang="mr-IN" altLang="zh-CN" dirty="0"/>
+          </a:p>
+          <a:p>
+            <a:r>
+              <a:rPr lang="mr-IN" altLang="zh-CN" dirty="0"/>
+              <a:t>2015-03-31</a:t>
+            </a:r>
+            <a:r>
+              <a:rPr lang="zh-CN" altLang="mr-IN" dirty="0"/>
+              <a:t>，</a:t>
+            </a:r>
+            <a:r>
+              <a:rPr lang="mr-IN" altLang="zh-CN" dirty="0" err="1"/>
+              <a:t>babel</a:t>
+            </a:r>
+            <a:r>
+              <a:rPr lang="mr-IN" altLang="zh-CN" dirty="0"/>
+              <a:t> 5.0</a:t>
+            </a:r>
+            <a:r>
+              <a:rPr lang="zh-CN" altLang="mr-IN" dirty="0"/>
+              <a:t>发布</a:t>
+            </a:r>
+          </a:p>
+          <a:p>
+            <a:r>
+              <a:rPr lang="mr-IN" altLang="zh-CN" dirty="0"/>
+              <a:t>2015-10-30</a:t>
+            </a:r>
+            <a:r>
+              <a:rPr lang="zh-CN" altLang="mr-IN" dirty="0"/>
+              <a:t>，</a:t>
+            </a:r>
+            <a:r>
+              <a:rPr lang="mr-IN" altLang="zh-CN" dirty="0" err="1"/>
+              <a:t>babel</a:t>
+            </a:r>
+            <a:r>
+              <a:rPr lang="mr-IN" altLang="zh-CN" dirty="0"/>
+              <a:t> 6.0</a:t>
+            </a:r>
+            <a:r>
+              <a:rPr lang="zh-CN" altLang="mr-IN" dirty="0"/>
+              <a:t>发布</a:t>
+            </a:r>
+          </a:p>
+          <a:p>
+            <a:r>
+              <a:rPr lang="mr-IN" altLang="zh-CN" dirty="0"/>
+              <a:t>2018-08-27, </a:t>
+            </a:r>
+            <a:r>
+              <a:rPr lang="mr-IN" altLang="zh-CN" dirty="0" err="1"/>
+              <a:t>babel</a:t>
+            </a:r>
+            <a:r>
+              <a:rPr lang="mr-IN" altLang="zh-CN" dirty="0"/>
+              <a:t> 7.0</a:t>
+            </a:r>
+            <a:r>
+              <a:rPr lang="zh-CN" altLang="mr-IN" dirty="0"/>
+              <a:t>发布</a:t>
+            </a:r>
+          </a:p>
+          <a:p>
             <a:endParaRPr kumimoji="1" lang="zh-CN" altLang="en-US" dirty="0"/>
           </a:p>
         </p:txBody>
@@ -13320,7 +13436,7 @@
           <a:lstStyle/>
           <a:p>
             <a:r>
-              <a:rPr lang="en-US" altLang="zh-CN" b="1" dirty="0"/>
+              <a:rPr lang="en-US" altLang="zh-CN" b="1" dirty="0" smtClean="0"/>
               <a:t>Babel </a:t>
             </a:r>
             <a:r>
@@ -13332,14 +13448,14 @@
               <a:t>JavaScript </a:t>
             </a:r>
             <a:r>
-              <a:rPr lang="zh-CN" altLang="en-US" b="1"/>
+              <a:rPr lang="zh-CN" altLang="en-US" b="1" dirty="0"/>
               <a:t>编译</a:t>
             </a:r>
             <a:r>
-              <a:rPr lang="zh-CN" altLang="en-US" b="1" smtClean="0"/>
+              <a:rPr lang="zh-CN" altLang="en-US" b="1" dirty="0" smtClean="0"/>
               <a:t>器</a:t>
             </a:r>
-            <a:endParaRPr lang="en-US" altLang="zh-CN" smtClean="0"/>
+            <a:endParaRPr lang="en-US" altLang="zh-CN" dirty="0" smtClean="0"/>
           </a:p>
           <a:p>
             <a:r>
@@ -13364,8 +13480,88 @@
             </a:r>
             <a:r>
               <a:rPr lang="zh-CN" altLang="en-US" dirty="0"/>
-              <a:t>语法，以便能够运行在当前和旧版本的浏览器或其他环境中</a:t>
-            </a:r>
+              <a:t>语法，以便能够运行在当前和旧版本的浏览器或其他</a:t>
+            </a:r>
+            <a:r>
+              <a:rPr lang="zh-CN" altLang="en-US"/>
+              <a:t>环境</a:t>
+            </a:r>
+            <a:r>
+              <a:rPr lang="zh-CN" altLang="en-US" smtClean="0"/>
+              <a:t>中</a:t>
+            </a:r>
+            <a:endParaRPr lang="en-US" altLang="zh-CN" dirty="0"/>
+          </a:p>
+          <a:p>
+            <a:r>
+              <a:rPr lang="zh-CN" altLang="en-US" dirty="0"/>
+              <a:t>语法转换</a:t>
+            </a:r>
+            <a:endParaRPr lang="en-US" altLang="zh-CN" dirty="0"/>
+          </a:p>
+          <a:p>
+            <a:r>
+              <a:rPr lang="zh-CN" altLang="en-US" dirty="0"/>
+              <a:t>通过 </a:t>
+            </a:r>
+            <a:r>
+              <a:rPr lang="en-US" altLang="zh-CN" dirty="0" err="1"/>
+              <a:t>Polyfill</a:t>
+            </a:r>
+            <a:r>
+              <a:rPr lang="en-US" altLang="zh-CN" dirty="0"/>
+              <a:t> </a:t>
+            </a:r>
+            <a:r>
+              <a:rPr lang="zh-CN" altLang="en-US" dirty="0"/>
+              <a:t>方式在目标环境中添加缺失的特性 </a:t>
+            </a:r>
+            <a:r>
+              <a:rPr lang="en-US" altLang="zh-CN" dirty="0"/>
+              <a:t>(</a:t>
+            </a:r>
+            <a:r>
+              <a:rPr lang="zh-CN" altLang="en-US" dirty="0"/>
+              <a:t>通过 </a:t>
+            </a:r>
+            <a:r>
+              <a:rPr lang="en-US" altLang="zh-CN" dirty="0">
+                <a:hlinkClick r:id="rId2"/>
+              </a:rPr>
+              <a:t>@babel/polyfill</a:t>
+            </a:r>
+            <a:r>
+              <a:rPr lang="zh-CN" altLang="en-US" dirty="0"/>
+              <a:t> 模块</a:t>
+            </a:r>
+            <a:r>
+              <a:rPr lang="en-US" altLang="zh-CN" dirty="0"/>
+              <a:t>)</a:t>
+            </a:r>
+          </a:p>
+          <a:p>
+            <a:r>
+              <a:rPr lang="zh-CN" altLang="en-US" dirty="0"/>
+              <a:t>源码转换 </a:t>
+            </a:r>
+            <a:r>
+              <a:rPr lang="en-US" altLang="zh-CN" dirty="0"/>
+              <a:t>(</a:t>
+            </a:r>
+            <a:r>
+              <a:rPr lang="en-US" altLang="zh-CN" dirty="0" err="1"/>
+              <a:t>codemods</a:t>
+            </a:r>
+            <a:r>
+              <a:rPr lang="en-US" altLang="zh-CN" dirty="0"/>
+              <a:t>)</a:t>
+            </a:r>
+            <a:endParaRPr kumimoji="1" lang="zh-CN" altLang="en-US" dirty="0"/>
+          </a:p>
+          <a:p>
+            <a:endParaRPr lang="en-US" altLang="zh-CN" dirty="0" smtClean="0"/>
+          </a:p>
+          <a:p>
             <a:endParaRPr kumimoji="1" lang="zh-CN" altLang="en-US" dirty="0"/>
           </a:p>
         </p:txBody>
@@ -13441,61 +13637,7 @@
           <a:bodyPr/>
           <a:lstStyle/>
           <a:p>
-            <a:r>
-              <a:rPr lang="zh-CN" altLang="en-US"/>
-              <a:t>语法转换</a:t>
-            </a:r>
-            <a:endParaRPr lang="en-US" altLang="zh-CN"/>
-          </a:p>
-          <a:p>
-            <a:r>
-              <a:rPr lang="zh-CN" altLang="en-US"/>
-              <a:t>通过 </a:t>
-            </a:r>
-            <a:r>
-              <a:rPr lang="en-US" altLang="zh-CN"/>
-              <a:t>Polyfill </a:t>
-            </a:r>
-            <a:r>
-              <a:rPr lang="zh-CN" altLang="en-US"/>
-              <a:t>方式在目标环境中添加缺失的特性 </a:t>
-            </a:r>
-            <a:r>
-              <a:rPr lang="en-US" altLang="zh-CN"/>
-              <a:t>(</a:t>
-            </a:r>
-            <a:r>
-              <a:rPr lang="zh-CN" altLang="en-US"/>
-              <a:t>通过 </a:t>
-            </a:r>
-            <a:r>
-              <a:rPr lang="en-US" altLang="zh-CN">
-                <a:hlinkClick r:id="rId2"/>
-              </a:rPr>
-              <a:t>@babel/polyfill</a:t>
-            </a:r>
-            <a:r>
-              <a:rPr lang="zh-CN" altLang="en-US"/>
-              <a:t> 模块</a:t>
-            </a:r>
-            <a:r>
-              <a:rPr lang="en-US" altLang="zh-CN"/>
-              <a:t>)</a:t>
-            </a:r>
-          </a:p>
-          <a:p>
-            <a:r>
-              <a:rPr lang="zh-CN" altLang="en-US"/>
-              <a:t>源码转换 </a:t>
-            </a:r>
-            <a:r>
-              <a:rPr lang="en-US" altLang="zh-CN"/>
-              <a:t>(codemods)</a:t>
-            </a:r>
-            <a:endParaRPr kumimoji="1" lang="zh-CN" altLang="en-US"/>
-          </a:p>
-          <a:p>
-            <a:endParaRPr kumimoji="1" lang="zh-CN" altLang="en-US"/>
+            <a:endParaRPr kumimoji="1" lang="zh-CN" altLang="en-US" dirty="0"/>
           </a:p>
         </p:txBody>
       </p:sp>
@@ -13550,7 +13692,7 @@
             </a:r>
             <a:r>
               <a:rPr kumimoji="1" lang="zh-CN" altLang="en-US" dirty="0" smtClean="0"/>
-              <a:t> 插件</a:t>
+              <a:t>组成</a:t>
             </a:r>
             <a:endParaRPr kumimoji="1" lang="zh-CN" altLang="en-US" dirty="0"/>
           </a:p>
@@ -13572,64 +13714,191 @@
           <a:lstStyle/>
           <a:p>
             <a:r>
-              <a:rPr kumimoji="1" lang="zh-CN" altLang="en-US" dirty="0" smtClean="0"/>
-              <a:t>功能：转换代码。</a:t>
-            </a:r>
-            <a:endParaRPr kumimoji="1" lang="en-US" altLang="zh-CN" dirty="0" smtClean="0"/>
-          </a:p>
-          <a:p>
-            <a:r>
-              <a:rPr kumimoji="1" lang="zh-CN" altLang="en-US" dirty="0" smtClean="0"/>
-              <a:t>用法：</a:t>
-            </a:r>
-            <a:r>
-              <a:rPr kumimoji="1" lang="en-US" altLang="zh-CN" dirty="0" smtClean="0"/>
-              <a:t>plugins: [‘plugin1’, ‘plugin2’ ]; plugins: [[‘plugins’, { </a:t>
-            </a:r>
-            <a:r>
-              <a:rPr kumimoji="1" lang="en-US" altLang="zh-CN" dirty="0" err="1" smtClean="0"/>
-              <a:t>params</a:t>
-            </a:r>
-            <a:r>
-              <a:rPr kumimoji="1" lang="en-US" altLang="zh-CN" dirty="0" smtClean="0"/>
-              <a:t> }]]</a:t>
-            </a:r>
-          </a:p>
-          <a:p>
-            <a:r>
-              <a:rPr kumimoji="1" lang="zh-CN" altLang="en-US" dirty="0" smtClean="0"/>
-              <a:t>插件短名称： 如果插件名称前缀是 </a:t>
-            </a:r>
-            <a:r>
-              <a:rPr kumimoji="1" lang="en-US" altLang="zh-CN" dirty="0" smtClean="0"/>
-              <a:t>babel-</a:t>
-            </a:r>
-            <a:r>
-              <a:rPr kumimoji="1" lang="en-US" altLang="zh-CN" dirty="0" err="1" smtClean="0"/>
-              <a:t>plgin</a:t>
-            </a:r>
-            <a:r>
-              <a:rPr kumimoji="1" lang="en-US" altLang="zh-CN" dirty="0" smtClean="0"/>
-              <a:t>- </a:t>
-            </a:r>
-            <a:r>
-              <a:rPr kumimoji="1" lang="zh-CN" altLang="en-US" dirty="0" smtClean="0"/>
-              <a:t>可以省略前缀。</a:t>
-            </a:r>
-            <a:endParaRPr kumimoji="1" lang="en-US" altLang="zh-CN" dirty="0" smtClean="0"/>
-          </a:p>
-          <a:p>
-            <a:r>
-              <a:rPr kumimoji="1" lang="zh-CN" altLang="en-US" dirty="0" smtClean="0"/>
-              <a:t>插件执行：先于</a:t>
-            </a:r>
-            <a:r>
-              <a:rPr kumimoji="1" lang="en-US" altLang="zh-CN" dirty="0" smtClean="0"/>
-              <a:t>preset</a:t>
-            </a:r>
-            <a:r>
-              <a:rPr kumimoji="1" lang="zh-CN" altLang="en-US" dirty="0" smtClean="0"/>
-              <a:t>执行，顺序从前往后。</a:t>
+              <a:rPr lang="en-US" altLang="zh-CN" dirty="0"/>
+              <a:t>@babel/core </a:t>
+            </a:r>
+            <a:r>
+              <a:rPr lang="en-US" altLang="zh-CN" dirty="0" smtClean="0"/>
+              <a:t>AST</a:t>
+            </a:r>
+            <a:r>
+              <a:rPr lang="zh-CN" altLang="en-US" dirty="0" smtClean="0"/>
+              <a:t>转换</a:t>
+            </a:r>
+            <a:r>
+              <a:rPr lang="zh-CN" altLang="en-US" dirty="0"/>
+              <a:t>的</a:t>
+            </a:r>
+            <a:r>
+              <a:rPr lang="zh-CN" altLang="en-US" dirty="0" smtClean="0"/>
+              <a:t>核心</a:t>
+            </a:r>
+            <a:endParaRPr lang="en-US" altLang="zh-CN" dirty="0" smtClean="0"/>
+          </a:p>
+          <a:p>
+            <a:r>
+              <a:rPr lang="en-US" altLang="zh-CN" dirty="0"/>
+              <a:t>@</a:t>
+            </a:r>
+            <a:r>
+              <a:rPr lang="en-US" altLang="zh-CN" dirty="0" smtClean="0"/>
+              <a:t>babel/cli </a:t>
+            </a:r>
+            <a:r>
+              <a:rPr lang="zh-CN" altLang="en-US" dirty="0"/>
+              <a:t>打包</a:t>
+            </a:r>
+            <a:r>
+              <a:rPr lang="zh-CN" altLang="en-US" dirty="0" smtClean="0"/>
+              <a:t>工具</a:t>
+            </a:r>
+            <a:endParaRPr lang="en-US" altLang="zh-CN" dirty="0" smtClean="0"/>
+          </a:p>
+          <a:p>
+            <a:r>
+              <a:rPr lang="en-US" altLang="zh-CN" dirty="0"/>
+              <a:t>@babel/plugin* Babel </a:t>
+            </a:r>
+            <a:r>
+              <a:rPr lang="zh-CN" altLang="en-US" dirty="0"/>
+              <a:t>插件机制，</a:t>
+            </a:r>
+            <a:r>
+              <a:rPr lang="en-US" altLang="zh-CN" dirty="0"/>
+              <a:t>Babel</a:t>
+            </a:r>
+            <a:r>
+              <a:rPr lang="zh-CN" altLang="en-US" dirty="0"/>
+              <a:t>基础功能不满足的时候</a:t>
+            </a:r>
+            <a:r>
+              <a:rPr lang="en-US" altLang="zh-CN" dirty="0"/>
+              <a:t>,</a:t>
+            </a:r>
+            <a:r>
+              <a:rPr lang="zh-CN" altLang="en-US" dirty="0"/>
+              <a:t>手动添加</a:t>
+            </a:r>
+            <a:r>
+              <a:rPr lang="zh-CN" altLang="en-US" dirty="0" smtClean="0"/>
+              <a:t>些</a:t>
+            </a:r>
+            <a:endParaRPr lang="en-US" altLang="zh-CN" dirty="0" smtClean="0"/>
+          </a:p>
+          <a:p>
+            <a:r>
+              <a:rPr lang="en-US" altLang="zh-CN" dirty="0"/>
+              <a:t>@babel/preset-</a:t>
+            </a:r>
+            <a:r>
+              <a:rPr lang="en-US" altLang="zh-CN" dirty="0" err="1"/>
+              <a:t>env</a:t>
+            </a:r>
+            <a:r>
+              <a:rPr lang="en-US" altLang="zh-CN" i="1" dirty="0"/>
+              <a:t> </a:t>
+            </a:r>
+            <a:r>
+              <a:rPr lang="zh-CN" altLang="en-US" i="1" dirty="0"/>
+              <a:t>把许多 </a:t>
+            </a:r>
+            <a:r>
+              <a:rPr lang="en-US" altLang="zh-CN" i="1" dirty="0"/>
+              <a:t>@babel/plugin</a:t>
+            </a:r>
+            <a:r>
+              <a:rPr lang="en-US" altLang="zh-CN" dirty="0"/>
+              <a:t> </a:t>
+            </a:r>
+            <a:r>
+              <a:rPr lang="zh-CN" altLang="en-US" dirty="0"/>
+              <a:t>综合了下，减少</a:t>
+            </a:r>
+            <a:r>
+              <a:rPr lang="zh-CN" altLang="en-US" dirty="0" smtClean="0"/>
+              <a:t>配置</a:t>
+            </a:r>
+            <a:endParaRPr lang="en-US" altLang="zh-CN" dirty="0" smtClean="0"/>
+          </a:p>
+          <a:p>
+            <a:r>
+              <a:rPr lang="en-US" altLang="zh-CN" dirty="0"/>
+              <a:t>@babel/</a:t>
+            </a:r>
+            <a:r>
+              <a:rPr lang="en-US" altLang="zh-CN" dirty="0" err="1"/>
+              <a:t>polyfill</a:t>
+            </a:r>
+            <a:r>
+              <a:rPr lang="en-US" altLang="zh-CN" dirty="0"/>
+              <a:t> </a:t>
+            </a:r>
+            <a:r>
+              <a:rPr lang="zh-CN" altLang="en-US" dirty="0"/>
+              <a:t>把浏览器某些不支持</a:t>
+            </a:r>
+            <a:r>
+              <a:rPr lang="en-US" altLang="zh-CN" dirty="0"/>
+              <a:t>API</a:t>
+            </a:r>
+            <a:r>
+              <a:rPr lang="zh-CN" altLang="en-US" dirty="0"/>
+              <a:t>，兼容性代码全部导入到项目</a:t>
+            </a:r>
+            <a:r>
+              <a:rPr lang="en-US" altLang="zh-CN" dirty="0"/>
+              <a:t>,</a:t>
+            </a:r>
+            <a:r>
+              <a:rPr lang="zh-CN" altLang="en-US" dirty="0"/>
+              <a:t>不管你是不是用到</a:t>
+            </a:r>
+            <a:r>
+              <a:rPr lang="en-US" altLang="zh-CN" dirty="0"/>
+              <a:t>,</a:t>
+            </a:r>
+            <a:r>
+              <a:rPr lang="zh-CN" altLang="en-US" dirty="0"/>
+              <a:t>缺点是代码体积特别</a:t>
+            </a:r>
+            <a:r>
+              <a:rPr lang="zh-CN" altLang="en-US" dirty="0" smtClean="0"/>
+              <a:t>大</a:t>
+            </a:r>
+            <a:endParaRPr lang="en-US" altLang="zh-CN" dirty="0" smtClean="0"/>
+          </a:p>
+          <a:p>
+            <a:r>
+              <a:rPr lang="en-US" altLang="zh-CN" dirty="0"/>
+              <a:t>@babel/runtime </a:t>
+            </a:r>
+            <a:r>
+              <a:rPr lang="zh-CN" altLang="en-US" dirty="0"/>
+              <a:t>把你</a:t>
+            </a:r>
+            <a:r>
+              <a:rPr lang="zh-CN" altLang="en-US" b="1" dirty="0"/>
+              <a:t>使用到</a:t>
+            </a:r>
+            <a:r>
+              <a:rPr lang="zh-CN" altLang="en-US" dirty="0"/>
+              <a:t>的浏览器某些不支持</a:t>
+            </a:r>
+            <a:r>
+              <a:rPr lang="en-US" altLang="zh-CN" dirty="0"/>
+              <a:t>API</a:t>
+            </a:r>
+            <a:r>
+              <a:rPr lang="zh-CN" altLang="en-US" dirty="0"/>
+              <a:t>，按需导入</a:t>
+            </a:r>
+            <a:r>
+              <a:rPr lang="en-US" altLang="zh-CN" dirty="0"/>
+              <a:t>,</a:t>
+            </a:r>
+            <a:r>
+              <a:rPr lang="zh-CN" altLang="en-US" dirty="0"/>
+              <a:t>代码少</a:t>
             </a:r>
             <a:endParaRPr kumimoji="1" lang="zh-CN" altLang="en-US" dirty="0"/>
           </a:p>
@@ -13638,7 +13907,7 @@
     </p:spTree>
     <p:extLst>
       <p:ext uri="{BB962C8B-B14F-4D97-AF65-F5344CB8AC3E}">
-        <p14:creationId xmlns:p14="http://schemas.microsoft.com/office/powerpoint/2010/main" val="1802012123"/>
+        <p14:creationId xmlns:p14="http://schemas.microsoft.com/office/powerpoint/2010/main" val="1605176720"/>
       </p:ext>
     </p:extLst>
   </p:cSld>
@@ -13681,16 +13950,12 @@
           <a:lstStyle/>
           <a:p>
             <a:r>
-              <a:rPr kumimoji="1" lang="en-US" altLang="zh-CN" dirty="0" err="1" smtClean="0"/>
-              <a:t>Persets</a:t>
-            </a:r>
-            <a:r>
               <a:rPr kumimoji="1" lang="en-US" altLang="zh-CN" dirty="0" smtClean="0"/>
-              <a:t> </a:t>
+              <a:t>Babel</a:t>
             </a:r>
             <a:r>
               <a:rPr kumimoji="1" lang="zh-CN" altLang="en-US" dirty="0" smtClean="0"/>
-              <a:t>预设</a:t>
+              <a:t> 插件</a:t>
             </a:r>
             <a:endParaRPr kumimoji="1" lang="zh-CN" altLang="en-US" dirty="0"/>
           </a:p>
@@ -13713,7 +13978,55 @@
           <a:p>
             <a:r>
               <a:rPr kumimoji="1" lang="zh-CN" altLang="en-US" dirty="0" smtClean="0"/>
-              <a:t>作用：</a:t>
+              <a:t>功能：转换代码。</a:t>
+            </a:r>
+            <a:endParaRPr kumimoji="1" lang="en-US" altLang="zh-CN" dirty="0" smtClean="0"/>
+          </a:p>
+          <a:p>
+            <a:r>
+              <a:rPr kumimoji="1" lang="zh-CN" altLang="en-US" dirty="0" smtClean="0"/>
+              <a:t>用法：</a:t>
+            </a:r>
+            <a:r>
+              <a:rPr kumimoji="1" lang="en-US" altLang="zh-CN" dirty="0" smtClean="0"/>
+              <a:t>plugins: [‘plugin1’, ‘plugin2’ ]; plugins: [[‘plugins’, { </a:t>
+            </a:r>
+            <a:r>
+              <a:rPr kumimoji="1" lang="en-US" altLang="zh-CN" dirty="0" err="1" smtClean="0"/>
+              <a:t>params</a:t>
+            </a:r>
+            <a:r>
+              <a:rPr kumimoji="1" lang="en-US" altLang="zh-CN" dirty="0" smtClean="0"/>
+              <a:t> }]]</a:t>
+            </a:r>
+          </a:p>
+          <a:p>
+            <a:r>
+              <a:rPr kumimoji="1" lang="zh-CN" altLang="en-US" dirty="0" smtClean="0"/>
+              <a:t>插件短名称： 如果插件名称前缀是 </a:t>
+            </a:r>
+            <a:r>
+              <a:rPr kumimoji="1" lang="en-US" altLang="zh-CN" dirty="0" smtClean="0"/>
+              <a:t>babel-</a:t>
+            </a:r>
+            <a:r>
+              <a:rPr kumimoji="1" lang="en-US" altLang="zh-CN" dirty="0" err="1" smtClean="0"/>
+              <a:t>plgin</a:t>
+            </a:r>
+            <a:r>
+              <a:rPr kumimoji="1" lang="en-US" altLang="zh-CN" dirty="0" smtClean="0"/>
+              <a:t>- </a:t>
+            </a:r>
+            <a:r>
+              <a:rPr kumimoji="1" lang="zh-CN" altLang="en-US" dirty="0" smtClean="0"/>
+              <a:t>可以省略前缀。</a:t>
+            </a:r>
+            <a:endParaRPr kumimoji="1" lang="en-US" altLang="zh-CN" dirty="0" smtClean="0"/>
+          </a:p>
+          <a:p>
+            <a:r>
+              <a:rPr kumimoji="1" lang="zh-CN" altLang="en-US" dirty="0" smtClean="0"/>
+              <a:t>插件执行：先于</a:t>
             </a:r>
             <a:r>
               <a:rPr kumimoji="1" lang="en-US" altLang="zh-CN" dirty="0" smtClean="0"/>
@@ -13721,6 +14034,98 @@
             </a:r>
             <a:r>
               <a:rPr kumimoji="1" lang="zh-CN" altLang="en-US" dirty="0" smtClean="0"/>
+              <a:t>执行，顺序从前往后。</a:t>
+            </a:r>
+            <a:endParaRPr kumimoji="1" lang="zh-CN" altLang="en-US" dirty="0"/>
+          </a:p>
+        </p:txBody>
+      </p:sp>
+    </p:spTree>
+    <p:extLst>
+      <p:ext uri="{BB962C8B-B14F-4D97-AF65-F5344CB8AC3E}">
+        <p14:creationId xmlns:p14="http://schemas.microsoft.com/office/powerpoint/2010/main" val="1802012123"/>
+      </p:ext>
+    </p:extLst>
+  </p:cSld>
+  <p:clrMapOvr>
+    <a:masterClrMapping/>
+  </p:clrMapOvr>
+</p:sld>
+</file>
+
+<file path=ppt/slides/slide6.xml><?xml version="1.0" encoding="utf-8"?>
+<p:sld xmlns:a="http://schemas.openxmlformats.org/drawingml/2006/main" xmlns:r="http://schemas.openxmlformats.org/officeDocument/2006/relationships" xmlns:p="http://schemas.openxmlformats.org/presentationml/2006/main">
+  <p:cSld>
+    <p:spTree>
+      <p:nvGrpSpPr>
+        <p:cNvPr id="1" name=""/>
+        <p:cNvGrpSpPr/>
+        <p:nvPr/>
+      </p:nvGrpSpPr>
+      <p:grpSpPr>
+        <a:xfrm>
+          <a:off x="0" y="0"/>
+          <a:ext cx="0" cy="0"/>
+          <a:chOff x="0" y="0"/>
+          <a:chExt cx="0" cy="0"/>
+        </a:xfrm>
+      </p:grpSpPr>
+      <p:sp>
+        <p:nvSpPr>
+          <p:cNvPr id="2" name="标题 1"/>
+          <p:cNvSpPr>
+            <a:spLocks noGrp="1"/>
+          </p:cNvSpPr>
+          <p:nvPr>
+            <p:ph type="title"/>
+          </p:nvPr>
+        </p:nvSpPr>
+        <p:spPr/>
+        <p:txBody>
+          <a:bodyPr/>
+          <a:lstStyle/>
+          <a:p>
+            <a:r>
+              <a:rPr kumimoji="1" lang="en-US" altLang="zh-CN" dirty="0" err="1" smtClean="0"/>
+              <a:t>Persets</a:t>
+            </a:r>
+            <a:r>
+              <a:rPr kumimoji="1" lang="en-US" altLang="zh-CN" dirty="0" smtClean="0"/>
+              <a:t> </a:t>
+            </a:r>
+            <a:r>
+              <a:rPr kumimoji="1" lang="zh-CN" altLang="en-US" dirty="0" smtClean="0"/>
+              <a:t>预设</a:t>
+            </a:r>
+            <a:endParaRPr kumimoji="1" lang="zh-CN" altLang="en-US" dirty="0"/>
+          </a:p>
+        </p:txBody>
+      </p:sp>
+      <p:sp>
+        <p:nvSpPr>
+          <p:cNvPr id="3" name="内容占位符 2"/>
+          <p:cNvSpPr>
+            <a:spLocks noGrp="1"/>
+          </p:cNvSpPr>
+          <p:nvPr>
+            <p:ph idx="1"/>
+          </p:nvPr>
+        </p:nvSpPr>
+        <p:spPr/>
+        <p:txBody>
+          <a:bodyPr/>
+          <a:lstStyle/>
+          <a:p>
+            <a:r>
+              <a:rPr kumimoji="1" lang="zh-CN" altLang="en-US" dirty="0" smtClean="0"/>
+              <a:t>作用：</a:t>
+            </a:r>
+            <a:r>
+              <a:rPr kumimoji="1" lang="en-US" altLang="zh-CN" dirty="0" smtClean="0"/>
+              <a:t>preset</a:t>
+            </a:r>
+            <a:r>
+              <a:rPr kumimoji="1" lang="zh-CN" altLang="en-US" dirty="0" smtClean="0"/>
               <a:t>作为</a:t>
             </a:r>
             <a:r>
@@ -13792,7 +14197,7 @@
             </a:r>
             <a:r>
               <a:rPr lang="en-US" altLang="zh-CN" dirty="0" err="1" smtClean="0"/>
-              <a:t>esnest</a:t>
+              <a:t>esnext</a:t>
             </a:r>
             <a:r>
               <a:rPr lang="en-US" altLang="zh-CN" dirty="0" smtClean="0"/>
@@ -13837,11 +14242,7 @@
             </a:r>
             <a:r>
               <a:rPr kumimoji="1" lang="zh-CN" altLang="en-US" dirty="0" smtClean="0"/>
-              <a:t>相反，其他相同（参数，短</a:t>
-            </a:r>
-            <a:r>
-              <a:rPr kumimoji="1" lang="zh-CN" altLang="en-US" smtClean="0"/>
-              <a:t>名称，路径）</a:t>
+              <a:t>相反，其他相同（参数，短名称，路径）</a:t>
             </a:r>
             <a:endParaRPr kumimoji="1" lang="en-US" altLang="zh-CN" dirty="0" smtClean="0"/>
           </a:p>
@@ -13864,6 +14265,102 @@
       </p:par>
     </p:tnLst>
   </p:timing>
+</p:sld>
+</file>
+
+<file path=ppt/slides/slide7.xml><?xml version="1.0" encoding="utf-8"?>
+<p:sld xmlns:a="http://schemas.openxmlformats.org/drawingml/2006/main" xmlns:r="http://schemas.openxmlformats.org/officeDocument/2006/relationships" xmlns:p="http://schemas.openxmlformats.org/presentationml/2006/main">
+  <p:cSld>
+    <p:spTree>
+      <p:nvGrpSpPr>
+        <p:cNvPr id="1" name=""/>
+        <p:cNvGrpSpPr/>
+        <p:nvPr/>
+      </p:nvGrpSpPr>
+      <p:grpSpPr>
+        <a:xfrm>
+          <a:off x="0" y="0"/>
+          <a:ext cx="0" cy="0"/>
+          <a:chOff x="0" y="0"/>
+          <a:chExt cx="0" cy="0"/>
+        </a:xfrm>
+      </p:grpSpPr>
+      <p:sp>
+        <p:nvSpPr>
+          <p:cNvPr id="2" name="标题 1"/>
+          <p:cNvSpPr>
+            <a:spLocks noGrp="1"/>
+          </p:cNvSpPr>
+          <p:nvPr>
+            <p:ph type="title"/>
+          </p:nvPr>
+        </p:nvSpPr>
+        <p:spPr>
+          <a:xfrm>
+            <a:off x="1154954" y="1158603"/>
+            <a:ext cx="8761413" cy="706964"/>
+          </a:xfrm>
+        </p:spPr>
+        <p:txBody>
+          <a:bodyPr/>
+          <a:lstStyle/>
+          <a:p>
+            <a:r>
+              <a:rPr lang="en-US" altLang="zh-CN" b="1" dirty="0"/>
+              <a:t>babel-</a:t>
+            </a:r>
+            <a:r>
+              <a:rPr lang="en-US" altLang="zh-CN" b="1" dirty="0" err="1"/>
+              <a:t>polyfill</a:t>
+            </a:r>
+            <a:r>
+              <a:rPr lang="zh-CN" altLang="en-US" b="1" dirty="0"/>
+              <a:t>与</a:t>
+            </a:r>
+            <a:r>
+              <a:rPr lang="en-US" altLang="zh-CN" b="1" dirty="0"/>
+              <a:t>babel-runtime</a:t>
+            </a:r>
+            <a:r>
+              <a:rPr lang="zh-CN" altLang="en-US" b="1" dirty="0"/>
+              <a:t>的选择</a:t>
+            </a:r>
+            <a:br>
+              <a:rPr lang="zh-CN" altLang="en-US" b="1" dirty="0"/>
+            </a:br>
+            <a:endParaRPr kumimoji="1" lang="zh-CN" altLang="en-US" dirty="0"/>
+          </a:p>
+        </p:txBody>
+      </p:sp>
+      <p:sp>
+        <p:nvSpPr>
+          <p:cNvPr id="3" name="内容占位符 2"/>
+          <p:cNvSpPr>
+            <a:spLocks noGrp="1"/>
+          </p:cNvSpPr>
+          <p:nvPr>
+            <p:ph idx="1"/>
+          </p:nvPr>
+        </p:nvSpPr>
+        <p:spPr/>
+        <p:txBody>
+          <a:bodyPr/>
+          <a:lstStyle/>
+          <a:p>
+            <a:endParaRPr kumimoji="1" lang="zh-CN" altLang="en-US" dirty="0"/>
+          </a:p>
+        </p:txBody>
+      </p:sp>
+    </p:spTree>
+    <p:extLst>
+      <p:ext uri="{BB962C8B-B14F-4D97-AF65-F5344CB8AC3E}">
+        <p14:creationId xmlns:p14="http://schemas.microsoft.com/office/powerpoint/2010/main" val="1222518230"/>
+      </p:ext>
+    </p:extLst>
+  </p:cSld>
+  <p:clrMapOvr>
+    <a:masterClrMapping/>
+  </p:clrMapOvr>
 </p:sld>
 </file>
 

--- a/babel.pptx
+++ b/babel.pptx
@@ -6,12 +6,17 @@
   </p:sldMasterIdLst>
   <p:sldIdLst>
     <p:sldId id="256" r:id="rId2"/>
-    <p:sldId id="257" r:id="rId3"/>
-    <p:sldId id="258" r:id="rId4"/>
-    <p:sldId id="262" r:id="rId5"/>
-    <p:sldId id="259" r:id="rId6"/>
-    <p:sldId id="260" r:id="rId7"/>
-    <p:sldId id="261" r:id="rId8"/>
+    <p:sldId id="269" r:id="rId3"/>
+    <p:sldId id="270" r:id="rId4"/>
+    <p:sldId id="257" r:id="rId5"/>
+    <p:sldId id="262" r:id="rId6"/>
+    <p:sldId id="259" r:id="rId7"/>
+    <p:sldId id="260" r:id="rId8"/>
+    <p:sldId id="261" r:id="rId9"/>
+    <p:sldId id="263" r:id="rId10"/>
+    <p:sldId id="264" r:id="rId11"/>
+    <p:sldId id="267" r:id="rId12"/>
+    <p:sldId id="271" r:id="rId13"/>
   </p:sldIdLst>
   <p:sldSz cx="12192000" cy="6858000"/>
   <p:notesSz cx="6858000" cy="9144000"/>
@@ -13376,7 +13381,643 @@
 </p:sld>
 </file>
 
-<file path=ppt/slides/slide2.xml><?xml version="1.0" encoding="utf-8"?>
+<file path=ppt/slides/slide10.xml><?xml version="1.0" encoding="utf-8"?>
+<p:sld xmlns:a="http://schemas.openxmlformats.org/drawingml/2006/main" xmlns:r="http://schemas.openxmlformats.org/officeDocument/2006/relationships" xmlns:p="http://schemas.openxmlformats.org/presentationml/2006/main">
+  <p:cSld>
+    <p:spTree>
+      <p:nvGrpSpPr>
+        <p:cNvPr id="1" name=""/>
+        <p:cNvGrpSpPr/>
+        <p:nvPr/>
+      </p:nvGrpSpPr>
+      <p:grpSpPr>
+        <a:xfrm>
+          <a:off x="0" y="0"/>
+          <a:ext cx="0" cy="0"/>
+          <a:chOff x="0" y="0"/>
+          <a:chExt cx="0" cy="0"/>
+        </a:xfrm>
+      </p:grpSpPr>
+      <p:sp>
+        <p:nvSpPr>
+          <p:cNvPr id="4" name="矩形 3"/>
+          <p:cNvSpPr/>
+          <p:nvPr/>
+        </p:nvSpPr>
+        <p:spPr>
+          <a:xfrm>
+            <a:off x="-1" y="0"/>
+            <a:ext cx="10404389" cy="369332"/>
+          </a:xfrm>
+          <a:prstGeom prst="rect">
+            <a:avLst/>
+          </a:prstGeom>
+        </p:spPr>
+        <p:txBody>
+          <a:bodyPr wrap="square">
+            <a:spAutoFit/>
+          </a:bodyPr>
+          <a:lstStyle/>
+          <a:p>
+            <a:pPr algn="ctr"/>
+            <a:r>
+              <a:rPr lang="zh-CN" altLang="en-US" b="1" dirty="0">
+                <a:solidFill>
+                  <a:srgbClr val="000000"/>
+                </a:solidFill>
+                <a:latin typeface="Verdana" charset="0"/>
+              </a:rPr>
+              <a:t>常用插件说明</a:t>
+            </a:r>
+            <a:endParaRPr lang="zh-CN" altLang="en-US" dirty="0"/>
+          </a:p>
+        </p:txBody>
+      </p:sp>
+      <p:sp>
+        <p:nvSpPr>
+          <p:cNvPr id="5" name="矩形 4"/>
+          <p:cNvSpPr/>
+          <p:nvPr/>
+        </p:nvSpPr>
+        <p:spPr>
+          <a:xfrm>
+            <a:off x="177855" y="476419"/>
+            <a:ext cx="10733161" cy="4093428"/>
+          </a:xfrm>
+          <a:prstGeom prst="rect">
+            <a:avLst/>
+          </a:prstGeom>
+        </p:spPr>
+        <p:txBody>
+          <a:bodyPr wrap="square">
+            <a:spAutoFit/>
+          </a:bodyPr>
+          <a:lstStyle/>
+          <a:p>
+            <a:pPr marL="342900" indent="-342900">
+              <a:spcBef>
+                <a:spcPts val="600"/>
+              </a:spcBef>
+              <a:spcAft>
+                <a:spcPts val="600"/>
+              </a:spcAft>
+              <a:buFont typeface="+mj-lt"/>
+              <a:buAutoNum type="arabicPeriod"/>
+            </a:pPr>
+            <a:r>
+              <a:rPr lang="en-US" altLang="zh-CN" dirty="0">
+                <a:solidFill>
+                  <a:srgbClr val="000000"/>
+                </a:solidFill>
+                <a:latin typeface="+mj-lt"/>
+              </a:rPr>
+              <a:t>babel-core </a:t>
+            </a:r>
+            <a:r>
+              <a:rPr lang="en-US" altLang="zh-CN" dirty="0">
+                <a:solidFill>
+                  <a:srgbClr val="999999"/>
+                </a:solidFill>
+                <a:latin typeface="+mj-lt"/>
+              </a:rPr>
+              <a:t>//</a:t>
+            </a:r>
+            <a:r>
+              <a:rPr lang="zh-CN" altLang="en-US" dirty="0">
+                <a:solidFill>
+                  <a:srgbClr val="999999"/>
+                </a:solidFill>
+                <a:latin typeface="+mj-lt"/>
+              </a:rPr>
+              <a:t>必备的核心</a:t>
+            </a:r>
+            <a:r>
+              <a:rPr lang="zh-CN" altLang="en-US" dirty="0" smtClean="0">
+                <a:solidFill>
+                  <a:srgbClr val="999999"/>
+                </a:solidFill>
+                <a:latin typeface="+mj-lt"/>
+              </a:rPr>
+              <a:t>库</a:t>
+            </a:r>
+            <a:endParaRPr lang="en-US" altLang="zh-CN" dirty="0" smtClean="0">
+              <a:solidFill>
+                <a:srgbClr val="999999"/>
+              </a:solidFill>
+              <a:latin typeface="+mj-lt"/>
+            </a:endParaRPr>
+          </a:p>
+          <a:p>
+            <a:pPr marL="342900" indent="-342900">
+              <a:spcBef>
+                <a:spcPts val="600"/>
+              </a:spcBef>
+              <a:spcAft>
+                <a:spcPts val="600"/>
+              </a:spcAft>
+              <a:buFont typeface="+mj-lt"/>
+              <a:buAutoNum type="arabicPeriod"/>
+            </a:pPr>
+            <a:r>
+              <a:rPr lang="en-US" altLang="zh-CN" dirty="0">
+                <a:latin typeface="+mj-lt"/>
+              </a:rPr>
+              <a:t>babel-loader //</a:t>
+            </a:r>
+            <a:r>
+              <a:rPr lang="en-US" altLang="zh-CN" dirty="0" err="1">
+                <a:latin typeface="+mj-lt"/>
+              </a:rPr>
+              <a:t>webpack</a:t>
+            </a:r>
+            <a:r>
+              <a:rPr lang="en-US" altLang="zh-CN" dirty="0">
+                <a:latin typeface="+mj-lt"/>
+              </a:rPr>
+              <a:t> loader</a:t>
+            </a:r>
+            <a:r>
+              <a:rPr lang="zh-CN" altLang="en-US" dirty="0">
+                <a:latin typeface="+mj-lt"/>
+              </a:rPr>
+              <a:t>配置</a:t>
+            </a:r>
+            <a:r>
+              <a:rPr lang="zh-CN" altLang="en-US" dirty="0" smtClean="0">
+                <a:latin typeface="+mj-lt"/>
+              </a:rPr>
+              <a:t>必备</a:t>
+            </a:r>
+            <a:endParaRPr lang="en-US" altLang="zh-CN" dirty="0" smtClean="0">
+              <a:latin typeface="+mj-lt"/>
+            </a:endParaRPr>
+          </a:p>
+          <a:p>
+            <a:pPr marL="342900" indent="-342900">
+              <a:spcBef>
+                <a:spcPts val="600"/>
+              </a:spcBef>
+              <a:spcAft>
+                <a:spcPts val="600"/>
+              </a:spcAft>
+              <a:buFont typeface="+mj-lt"/>
+              <a:buAutoNum type="arabicPeriod"/>
+            </a:pPr>
+            <a:r>
+              <a:rPr lang="en-US" altLang="zh-CN" dirty="0">
+                <a:latin typeface="+mj-lt"/>
+              </a:rPr>
+              <a:t>babel-preset-</a:t>
+            </a:r>
+            <a:r>
+              <a:rPr lang="en-US" altLang="zh-CN" dirty="0" err="1">
+                <a:latin typeface="+mj-lt"/>
+              </a:rPr>
+              <a:t>env</a:t>
+            </a:r>
+            <a:r>
+              <a:rPr lang="en-US" altLang="zh-CN" dirty="0">
+                <a:latin typeface="+mj-lt"/>
+              </a:rPr>
+              <a:t> //</a:t>
+            </a:r>
+            <a:r>
+              <a:rPr lang="zh-CN" altLang="en-US" dirty="0">
+                <a:latin typeface="+mj-lt"/>
+              </a:rPr>
+              <a:t>有了它，你不再需要添加</a:t>
+            </a:r>
+            <a:r>
+              <a:rPr lang="en-US" altLang="zh-CN" dirty="0">
+                <a:latin typeface="+mj-lt"/>
+              </a:rPr>
+              <a:t>2015</a:t>
+            </a:r>
+            <a:r>
+              <a:rPr lang="zh-CN" altLang="en-US" dirty="0">
+                <a:latin typeface="+mj-lt"/>
+              </a:rPr>
+              <a:t>、</a:t>
+            </a:r>
+            <a:r>
+              <a:rPr lang="en-US" altLang="zh-CN" dirty="0">
+                <a:latin typeface="+mj-lt"/>
+              </a:rPr>
+              <a:t>2016</a:t>
+            </a:r>
+            <a:r>
+              <a:rPr lang="zh-CN" altLang="en-US" dirty="0">
+                <a:latin typeface="+mj-lt"/>
+              </a:rPr>
+              <a:t>、</a:t>
+            </a:r>
+            <a:r>
+              <a:rPr lang="en-US" altLang="zh-CN" dirty="0">
+                <a:latin typeface="+mj-lt"/>
+              </a:rPr>
+              <a:t>2017</a:t>
+            </a:r>
+            <a:r>
+              <a:rPr lang="zh-CN" altLang="en-US" dirty="0">
+                <a:latin typeface="+mj-lt"/>
+              </a:rPr>
+              <a:t>，全都</a:t>
+            </a:r>
+            <a:r>
+              <a:rPr lang="zh-CN" altLang="en-US" dirty="0" smtClean="0">
+                <a:latin typeface="+mj-lt"/>
+              </a:rPr>
+              <a:t>支持</a:t>
+            </a:r>
+            <a:endParaRPr lang="en-US" altLang="zh-CN" dirty="0" smtClean="0">
+              <a:latin typeface="+mj-lt"/>
+            </a:endParaRPr>
+          </a:p>
+          <a:p>
+            <a:pPr marL="342900" indent="-342900">
+              <a:spcBef>
+                <a:spcPts val="600"/>
+              </a:spcBef>
+              <a:spcAft>
+                <a:spcPts val="600"/>
+              </a:spcAft>
+              <a:buFont typeface="+mj-lt"/>
+              <a:buAutoNum type="arabicPeriod"/>
+            </a:pPr>
+            <a:r>
+              <a:rPr lang="en-US" altLang="zh-CN" dirty="0">
+                <a:latin typeface="+mj-lt"/>
+              </a:rPr>
+              <a:t>babel-preset-stage-0 //</a:t>
+            </a:r>
+            <a:r>
+              <a:rPr lang="zh-CN" altLang="en-US" dirty="0">
+                <a:latin typeface="+mj-lt"/>
+              </a:rPr>
+              <a:t>有了它，你不再需要添加</a:t>
+            </a:r>
+            <a:r>
+              <a:rPr lang="en-US" altLang="zh-CN" dirty="0">
+                <a:latin typeface="+mj-lt"/>
+              </a:rPr>
+              <a:t>stage-1,stage-2,stage-3,</a:t>
+            </a:r>
+            <a:r>
+              <a:rPr lang="zh-CN" altLang="en-US" dirty="0">
+                <a:latin typeface="+mj-lt"/>
+              </a:rPr>
+              <a:t>默认向后</a:t>
+            </a:r>
+            <a:r>
+              <a:rPr lang="zh-CN" altLang="en-US" dirty="0" smtClean="0">
+                <a:latin typeface="+mj-lt"/>
+              </a:rPr>
+              <a:t>支持</a:t>
+            </a:r>
+            <a:endParaRPr lang="en-US" altLang="zh-CN" dirty="0" smtClean="0">
+              <a:latin typeface="+mj-lt"/>
+            </a:endParaRPr>
+          </a:p>
+          <a:p>
+            <a:pPr marL="342900" indent="-342900">
+              <a:spcBef>
+                <a:spcPts val="600"/>
+              </a:spcBef>
+              <a:spcAft>
+                <a:spcPts val="600"/>
+              </a:spcAft>
+              <a:buFont typeface="+mj-lt"/>
+              <a:buAutoNum type="arabicPeriod"/>
+            </a:pPr>
+            <a:r>
+              <a:rPr lang="en-US" altLang="zh-CN" dirty="0">
+                <a:latin typeface="+mj-lt"/>
+              </a:rPr>
+              <a:t>babel-plugin-transform-runtime </a:t>
+            </a:r>
+            <a:r>
+              <a:rPr lang="zh-CN" altLang="en-US" dirty="0">
+                <a:latin typeface="+mj-lt"/>
+              </a:rPr>
+              <a:t>、</a:t>
+            </a:r>
+            <a:r>
+              <a:rPr lang="en-US" altLang="zh-CN" dirty="0">
+                <a:latin typeface="+mj-lt"/>
+              </a:rPr>
+              <a:t>babel-runtime  //</a:t>
+            </a:r>
+            <a:r>
+              <a:rPr lang="zh-CN" altLang="en-US" dirty="0">
+                <a:latin typeface="+mj-lt"/>
+              </a:rPr>
+              <a:t>支持</a:t>
+            </a:r>
+            <a:r>
+              <a:rPr lang="en-US" altLang="zh-CN" dirty="0">
+                <a:latin typeface="+mj-lt"/>
+              </a:rPr>
+              <a:t>helpers</a:t>
+            </a:r>
+            <a:r>
+              <a:rPr lang="zh-CN" altLang="en-US" dirty="0">
+                <a:latin typeface="+mj-lt"/>
+              </a:rPr>
+              <a:t>，</a:t>
+            </a:r>
+            <a:r>
+              <a:rPr lang="en-US" altLang="zh-CN" dirty="0" err="1">
+                <a:latin typeface="+mj-lt"/>
+              </a:rPr>
+              <a:t>polyfill</a:t>
+            </a:r>
+            <a:r>
+              <a:rPr lang="zh-CN" altLang="en-US" dirty="0">
+                <a:latin typeface="+mj-lt"/>
+              </a:rPr>
+              <a:t>，</a:t>
+            </a:r>
+            <a:r>
+              <a:rPr lang="en-US" altLang="zh-CN" dirty="0">
+                <a:latin typeface="+mj-lt"/>
+              </a:rPr>
+              <a:t>regenerator</a:t>
+            </a:r>
+            <a:r>
+              <a:rPr lang="zh-CN" altLang="en-US" dirty="0" smtClean="0">
+                <a:latin typeface="+mj-lt"/>
+              </a:rPr>
+              <a:t>配置</a:t>
+            </a:r>
+            <a:endParaRPr lang="en-US" altLang="zh-CN" dirty="0" smtClean="0">
+              <a:latin typeface="+mj-lt"/>
+            </a:endParaRPr>
+          </a:p>
+          <a:p>
+            <a:pPr marL="342900" indent="-342900">
+              <a:spcBef>
+                <a:spcPts val="600"/>
+              </a:spcBef>
+              <a:spcAft>
+                <a:spcPts val="600"/>
+              </a:spcAft>
+              <a:buFont typeface="+mj-lt"/>
+              <a:buAutoNum type="arabicPeriod"/>
+            </a:pPr>
+            <a:r>
+              <a:rPr lang="en-US" altLang="zh-CN" dirty="0">
+                <a:latin typeface="+mj-lt"/>
+              </a:rPr>
+              <a:t>babel-plugin-transform-decorators-legacy //</a:t>
+            </a:r>
+            <a:r>
+              <a:rPr lang="zh-CN" altLang="en-US" dirty="0">
+                <a:latin typeface="+mj-lt"/>
+              </a:rPr>
+              <a:t>支持修饰符语法 </a:t>
+            </a:r>
+            <a:r>
+              <a:rPr lang="en-US" altLang="zh-CN" dirty="0">
+                <a:latin typeface="+mj-lt"/>
+              </a:rPr>
+              <a:t>@</a:t>
+            </a:r>
+            <a:r>
+              <a:rPr lang="en-US" altLang="zh-CN" dirty="0" smtClean="0">
+                <a:latin typeface="+mj-lt"/>
+              </a:rPr>
+              <a:t>connect</a:t>
+            </a:r>
+          </a:p>
+          <a:p>
+            <a:pPr marL="342900" indent="-342900">
+              <a:spcBef>
+                <a:spcPts val="600"/>
+              </a:spcBef>
+              <a:spcAft>
+                <a:spcPts val="600"/>
+              </a:spcAft>
+              <a:buFont typeface="+mj-lt"/>
+              <a:buAutoNum type="arabicPeriod"/>
+            </a:pPr>
+            <a:r>
+              <a:rPr lang="en-US" altLang="zh-CN" dirty="0">
+                <a:latin typeface="+mj-lt"/>
+              </a:rPr>
+              <a:t>babel-preset-react //</a:t>
+            </a:r>
+            <a:r>
+              <a:rPr lang="zh-CN" altLang="en-US" dirty="0">
+                <a:latin typeface="+mj-lt"/>
+              </a:rPr>
+              <a:t>支持解析</a:t>
+            </a:r>
+            <a:r>
+              <a:rPr lang="en-US" altLang="zh-CN" dirty="0">
+                <a:latin typeface="+mj-lt"/>
+              </a:rPr>
+              <a:t>react</a:t>
+            </a:r>
+            <a:r>
+              <a:rPr lang="zh-CN" altLang="en-US" dirty="0">
+                <a:latin typeface="+mj-lt"/>
+              </a:rPr>
+              <a:t>语法</a:t>
+            </a:r>
+            <a:r>
+              <a:rPr lang="en-US" altLang="zh-CN" dirty="0">
+                <a:latin typeface="+mj-lt"/>
+              </a:rPr>
+              <a:t>,</a:t>
+            </a:r>
+            <a:r>
+              <a:rPr lang="zh-CN" altLang="en-US" dirty="0">
+                <a:latin typeface="+mj-lt"/>
+              </a:rPr>
+              <a:t>如果使用</a:t>
+            </a:r>
+            <a:r>
+              <a:rPr lang="en-US" altLang="zh-CN" dirty="0" err="1">
+                <a:latin typeface="+mj-lt"/>
+              </a:rPr>
+              <a:t>vue</a:t>
+            </a:r>
+            <a:r>
+              <a:rPr lang="zh-CN" altLang="en-US" dirty="0">
+                <a:latin typeface="+mj-lt"/>
+              </a:rPr>
+              <a:t>把</a:t>
+            </a:r>
+            <a:r>
+              <a:rPr lang="en-US" altLang="zh-CN" dirty="0">
+                <a:latin typeface="+mj-lt"/>
+              </a:rPr>
+              <a:t>react</a:t>
+            </a:r>
+            <a:r>
+              <a:rPr lang="zh-CN" altLang="en-US" dirty="0">
+                <a:latin typeface="+mj-lt"/>
+              </a:rPr>
+              <a:t>替换成</a:t>
+            </a:r>
+            <a:r>
+              <a:rPr lang="en-US" altLang="zh-CN" dirty="0" err="1">
+                <a:latin typeface="+mj-lt"/>
+              </a:rPr>
+              <a:t>vue</a:t>
+            </a:r>
+            <a:r>
+              <a:rPr lang="zh-CN" altLang="en-US" dirty="0">
+                <a:latin typeface="+mj-lt"/>
+              </a:rPr>
+              <a:t>就</a:t>
+            </a:r>
+            <a:r>
+              <a:rPr lang="zh-CN" altLang="en-US" dirty="0" smtClean="0">
+                <a:latin typeface="+mj-lt"/>
+              </a:rPr>
+              <a:t>好</a:t>
+            </a:r>
+            <a:endParaRPr lang="en-US" altLang="zh-CN" dirty="0" smtClean="0">
+              <a:latin typeface="+mj-lt"/>
+            </a:endParaRPr>
+          </a:p>
+          <a:p>
+            <a:pPr marL="342900" indent="-342900">
+              <a:spcBef>
+                <a:spcPts val="600"/>
+              </a:spcBef>
+              <a:spcAft>
+                <a:spcPts val="600"/>
+              </a:spcAft>
+              <a:buFont typeface="+mj-lt"/>
+              <a:buAutoNum type="arabicPeriod"/>
+            </a:pPr>
+            <a:r>
+              <a:rPr lang="en-US" altLang="zh-CN" dirty="0">
+                <a:latin typeface="+mj-lt"/>
+              </a:rPr>
+              <a:t>react-hot-loader //</a:t>
+            </a:r>
+            <a:r>
+              <a:rPr lang="zh-CN" altLang="en-US" dirty="0">
+                <a:latin typeface="+mj-lt"/>
+              </a:rPr>
+              <a:t>虽然它长得不像</a:t>
+            </a:r>
+            <a:r>
+              <a:rPr lang="en-US" altLang="zh-CN" dirty="0">
+                <a:latin typeface="+mj-lt"/>
+              </a:rPr>
+              <a:t>babel</a:t>
+            </a:r>
+            <a:r>
+              <a:rPr lang="zh-CN" altLang="en-US" dirty="0">
+                <a:latin typeface="+mj-lt"/>
+              </a:rPr>
+              <a:t>，但是它也需要在</a:t>
+            </a:r>
+            <a:r>
+              <a:rPr lang="en-US" altLang="zh-CN" dirty="0" err="1">
+                <a:latin typeface="+mj-lt"/>
+              </a:rPr>
+              <a:t>babelrc</a:t>
+            </a:r>
+            <a:r>
+              <a:rPr lang="zh-CN" altLang="en-US" dirty="0">
+                <a:latin typeface="+mj-lt"/>
+              </a:rPr>
+              <a:t>做</a:t>
+            </a:r>
+            <a:r>
+              <a:rPr lang="zh-CN" altLang="en-US" dirty="0" smtClean="0">
+                <a:latin typeface="+mj-lt"/>
+              </a:rPr>
+              <a:t>配置</a:t>
+            </a:r>
+            <a:endParaRPr lang="en-US" altLang="zh-CN" dirty="0" smtClean="0">
+              <a:latin typeface="+mj-lt"/>
+            </a:endParaRPr>
+          </a:p>
+          <a:p>
+            <a:pPr marL="342900" indent="-342900">
+              <a:spcBef>
+                <a:spcPts val="600"/>
+              </a:spcBef>
+              <a:spcAft>
+                <a:spcPts val="600"/>
+              </a:spcAft>
+              <a:buFont typeface="+mj-lt"/>
+              <a:buAutoNum type="arabicPeriod"/>
+            </a:pPr>
+            <a:r>
+              <a:rPr lang="en-US" altLang="zh-CN" dirty="0">
+                <a:latin typeface="+mj-lt"/>
+              </a:rPr>
+              <a:t>@</a:t>
+            </a:r>
+            <a:r>
+              <a:rPr lang="en-US" altLang="zh-CN" dirty="0" smtClean="0">
+                <a:latin typeface="+mj-lt"/>
+              </a:rPr>
+              <a:t>babel/helper</a:t>
+            </a:r>
+            <a:r>
+              <a:rPr lang="zh-CN" altLang="en-US" dirty="0" smtClean="0">
+                <a:latin typeface="+mj-lt"/>
+              </a:rPr>
+              <a:t> </a:t>
+            </a:r>
+            <a:r>
+              <a:rPr lang="zh-CN" altLang="en-US" dirty="0">
+                <a:latin typeface="+mj-lt"/>
+              </a:rPr>
+              <a:t> 辅助代码，单纯的语法转换可能无法让代码运行起来，比如低版本浏览器无法识别</a:t>
+            </a:r>
+            <a:r>
+              <a:rPr lang="en-US" altLang="zh-CN" dirty="0">
+                <a:latin typeface="+mj-lt"/>
+              </a:rPr>
+              <a:t>class</a:t>
+            </a:r>
+            <a:r>
+              <a:rPr lang="zh-CN" altLang="en-US" dirty="0">
+                <a:latin typeface="+mj-lt"/>
+              </a:rPr>
+              <a:t>关键字，这时候需要添加辅助代码，对</a:t>
+            </a:r>
+            <a:r>
+              <a:rPr lang="en-US" altLang="zh-CN" dirty="0">
+                <a:latin typeface="+mj-lt"/>
+              </a:rPr>
+              <a:t>class</a:t>
+            </a:r>
+            <a:r>
+              <a:rPr lang="zh-CN" altLang="en-US" dirty="0">
+                <a:latin typeface="+mj-lt"/>
+              </a:rPr>
+              <a:t>进行模拟。</a:t>
+            </a:r>
+            <a:endParaRPr lang="zh-CN" altLang="en-US" dirty="0">
+              <a:latin typeface="+mj-lt"/>
+            </a:endParaRPr>
+          </a:p>
+        </p:txBody>
+      </p:sp>
+    </p:spTree>
+    <p:extLst>
+      <p:ext uri="{BB962C8B-B14F-4D97-AF65-F5344CB8AC3E}">
+        <p14:creationId xmlns:p14="http://schemas.microsoft.com/office/powerpoint/2010/main" val="942247327"/>
+      </p:ext>
+    </p:extLst>
+  </p:cSld>
+  <p:clrMapOvr>
+    <a:masterClrMapping/>
+  </p:clrMapOvr>
+</p:sld>
+</file>
+
+<file path=ppt/slides/slide11.xml><?xml version="1.0" encoding="utf-8"?>
 <p:sld xmlns:a="http://schemas.openxmlformats.org/drawingml/2006/main" xmlns:r="http://schemas.openxmlformats.org/officeDocument/2006/relationships" xmlns:p="http://schemas.openxmlformats.org/presentationml/2006/main">
   <p:cSld>
     <p:spTree>
@@ -13409,12 +14050,8 @@
           <a:lstStyle/>
           <a:p>
             <a:r>
-              <a:rPr kumimoji="1" lang="en-US" altLang="zh-CN" dirty="0" smtClean="0"/>
-              <a:t>Babel</a:t>
-            </a:r>
-            <a:r>
               <a:rPr kumimoji="1" lang="zh-CN" altLang="en-US" dirty="0" smtClean="0"/>
-              <a:t> 是做什么的</a:t>
+              <a:t>延展</a:t>
             </a:r>
             <a:endParaRPr kumimoji="1" lang="zh-CN" altLang="en-US" dirty="0"/>
           </a:p>
@@ -13436,132 +14073,35 @@
           <a:lstStyle/>
           <a:p>
             <a:r>
-              <a:rPr lang="en-US" altLang="zh-CN" b="1" dirty="0" smtClean="0"/>
+              <a:rPr kumimoji="1" lang="zh-CN" altLang="en-US" dirty="0" smtClean="0"/>
+              <a:t>什么是</a:t>
+            </a:r>
+            <a:r>
+              <a:rPr kumimoji="1" lang="en-US" altLang="zh-CN" dirty="0" smtClean="0"/>
+              <a:t>AST</a:t>
+            </a:r>
+            <a:r>
+              <a:rPr kumimoji="1" lang="zh-CN" altLang="en-US" dirty="0" smtClean="0"/>
+              <a:t>？</a:t>
+            </a:r>
+            <a:endParaRPr kumimoji="1" lang="en-US" altLang="zh-CN" dirty="0" smtClean="0"/>
+          </a:p>
+          <a:p>
+            <a:r>
+              <a:rPr kumimoji="1" lang="en-US" altLang="zh-CN" dirty="0" smtClean="0"/>
               <a:t>Babel </a:t>
             </a:r>
             <a:r>
-              <a:rPr lang="zh-CN" altLang="en-US" b="1" dirty="0"/>
-              <a:t>是一个 </a:t>
-            </a:r>
-            <a:r>
-              <a:rPr lang="en-US" altLang="zh-CN" b="1" dirty="0"/>
-              <a:t>JavaScript </a:t>
-            </a:r>
-            <a:r>
-              <a:rPr lang="zh-CN" altLang="en-US" b="1" dirty="0"/>
-              <a:t>编译</a:t>
-            </a:r>
-            <a:r>
-              <a:rPr lang="zh-CN" altLang="en-US" b="1" dirty="0" smtClean="0"/>
-              <a:t>器</a:t>
-            </a:r>
-            <a:endParaRPr lang="en-US" altLang="zh-CN" dirty="0" smtClean="0"/>
-          </a:p>
-          <a:p>
-            <a:r>
-              <a:rPr lang="en-US" altLang="zh-CN" dirty="0" smtClean="0"/>
-              <a:t>Babel </a:t>
-            </a:r>
-            <a:r>
-              <a:rPr lang="zh-CN" altLang="en-US" dirty="0"/>
-              <a:t>是一个工具链，主要用于将 </a:t>
-            </a:r>
-            <a:r>
-              <a:rPr lang="en-US" altLang="zh-CN" dirty="0"/>
-              <a:t>ECMAScript 2015+ </a:t>
-            </a:r>
-            <a:r>
-              <a:rPr lang="zh-CN" altLang="en-US" dirty="0"/>
-              <a:t>版本的代码转换为向后兼容的 </a:t>
-            </a:r>
-            <a:r>
-              <a:rPr lang="en-US" altLang="zh-CN" dirty="0"/>
-              <a:t>JavaScript </a:t>
-            </a:r>
-            <a:r>
-              <a:rPr lang="zh-CN" altLang="en-US" dirty="0"/>
-              <a:t>语法，以便能够运行在当前和旧版本的浏览器或其他</a:t>
-            </a:r>
-            <a:r>
-              <a:rPr lang="zh-CN" altLang="en-US"/>
-              <a:t>环境</a:t>
-            </a:r>
-            <a:r>
-              <a:rPr lang="zh-CN" altLang="en-US" smtClean="0"/>
-              <a:t>中</a:t>
-            </a:r>
-            <a:endParaRPr lang="en-US" altLang="zh-CN" dirty="0"/>
-          </a:p>
-          <a:p>
-            <a:r>
-              <a:rPr lang="zh-CN" altLang="en-US" dirty="0"/>
-              <a:t>语法转换</a:t>
-            </a:r>
-            <a:endParaRPr lang="en-US" altLang="zh-CN" dirty="0"/>
-          </a:p>
-          <a:p>
-            <a:r>
-              <a:rPr lang="zh-CN" altLang="en-US" dirty="0"/>
-              <a:t>通过 </a:t>
-            </a:r>
-            <a:r>
-              <a:rPr lang="en-US" altLang="zh-CN" dirty="0" err="1"/>
-              <a:t>Polyfill</a:t>
-            </a:r>
-            <a:r>
-              <a:rPr lang="en-US" altLang="zh-CN" dirty="0"/>
-              <a:t> </a:t>
-            </a:r>
-            <a:r>
-              <a:rPr lang="zh-CN" altLang="en-US" dirty="0"/>
-              <a:t>方式在目标环境中添加缺失的特性 </a:t>
-            </a:r>
-            <a:r>
-              <a:rPr lang="en-US" altLang="zh-CN" dirty="0"/>
-              <a:t>(</a:t>
-            </a:r>
-            <a:r>
-              <a:rPr lang="zh-CN" altLang="en-US" dirty="0"/>
-              <a:t>通过 </a:t>
-            </a:r>
-            <a:r>
-              <a:rPr lang="en-US" altLang="zh-CN" dirty="0">
-                <a:hlinkClick r:id="rId2"/>
-              </a:rPr>
-              <a:t>@babel/polyfill</a:t>
-            </a:r>
-            <a:r>
-              <a:rPr lang="zh-CN" altLang="en-US" dirty="0"/>
-              <a:t> 模块</a:t>
-            </a:r>
-            <a:r>
-              <a:rPr lang="en-US" altLang="zh-CN" dirty="0"/>
-              <a:t>)</a:t>
-            </a:r>
-          </a:p>
-          <a:p>
-            <a:r>
-              <a:rPr lang="zh-CN" altLang="en-US" dirty="0"/>
-              <a:t>源码转换 </a:t>
-            </a:r>
-            <a:r>
-              <a:rPr lang="en-US" altLang="zh-CN" dirty="0"/>
-              <a:t>(</a:t>
-            </a:r>
-            <a:r>
-              <a:rPr lang="en-US" altLang="zh-CN" dirty="0" err="1"/>
-              <a:t>codemods</a:t>
-            </a:r>
-            <a:r>
-              <a:rPr lang="en-US" altLang="zh-CN" dirty="0"/>
-              <a:t>)</a:t>
-            </a:r>
-            <a:endParaRPr kumimoji="1" lang="zh-CN" altLang="en-US" dirty="0"/>
-          </a:p>
-          <a:p>
-            <a:endParaRPr lang="en-US" altLang="zh-CN" dirty="0" smtClean="0"/>
-          </a:p>
-          <a:p>
+              <a:rPr kumimoji="1" lang="zh-CN" altLang="en-US" dirty="0" smtClean="0"/>
+              <a:t>是怎么做抽线解析的？</a:t>
+            </a:r>
+            <a:r>
+              <a:rPr kumimoji="1" lang="en-US" altLang="zh-CN" dirty="0" smtClean="0"/>
+              <a:t/>
+            </a:r>
+            <a:br>
+              <a:rPr kumimoji="1" lang="en-US" altLang="zh-CN" dirty="0" smtClean="0"/>
+            </a:br>
             <a:endParaRPr kumimoji="1" lang="zh-CN" altLang="en-US" dirty="0"/>
           </a:p>
         </p:txBody>
@@ -13569,7 +14109,236 @@
     </p:spTree>
     <p:extLst>
       <p:ext uri="{BB962C8B-B14F-4D97-AF65-F5344CB8AC3E}">
-        <p14:creationId xmlns:p14="http://schemas.microsoft.com/office/powerpoint/2010/main" val="425677153"/>
+        <p14:creationId xmlns:p14="http://schemas.microsoft.com/office/powerpoint/2010/main" val="905516548"/>
+      </p:ext>
+    </p:extLst>
+  </p:cSld>
+  <p:clrMapOvr>
+    <a:masterClrMapping/>
+  </p:clrMapOvr>
+</p:sld>
+</file>
+
+<file path=ppt/slides/slide12.xml><?xml version="1.0" encoding="utf-8"?>
+<p:sld xmlns:a="http://schemas.openxmlformats.org/drawingml/2006/main" xmlns:r="http://schemas.openxmlformats.org/officeDocument/2006/relationships" xmlns:p="http://schemas.openxmlformats.org/presentationml/2006/main">
+  <p:cSld>
+    <p:spTree>
+      <p:nvGrpSpPr>
+        <p:cNvPr id="1" name=""/>
+        <p:cNvGrpSpPr/>
+        <p:nvPr/>
+      </p:nvGrpSpPr>
+      <p:grpSpPr>
+        <a:xfrm>
+          <a:off x="0" y="0"/>
+          <a:ext cx="0" cy="0"/>
+          <a:chOff x="0" y="0"/>
+          <a:chExt cx="0" cy="0"/>
+        </a:xfrm>
+      </p:grpSpPr>
+      <p:sp>
+        <p:nvSpPr>
+          <p:cNvPr id="2" name="标题 1"/>
+          <p:cNvSpPr>
+            <a:spLocks noGrp="1"/>
+          </p:cNvSpPr>
+          <p:nvPr>
+            <p:ph type="title"/>
+          </p:nvPr>
+        </p:nvSpPr>
+        <p:spPr/>
+        <p:txBody>
+          <a:bodyPr/>
+          <a:lstStyle/>
+          <a:p>
+            <a:endParaRPr kumimoji="1" lang="zh-CN" altLang="en-US"/>
+          </a:p>
+        </p:txBody>
+      </p:sp>
+      <p:sp>
+        <p:nvSpPr>
+          <p:cNvPr id="3" name="内容占位符 2"/>
+          <p:cNvSpPr>
+            <a:spLocks noGrp="1"/>
+          </p:cNvSpPr>
+          <p:nvPr>
+            <p:ph idx="1"/>
+          </p:nvPr>
+        </p:nvSpPr>
+        <p:spPr/>
+        <p:txBody>
+          <a:bodyPr/>
+          <a:lstStyle/>
+          <a:p>
+            <a:r>
+              <a:rPr lang="en-US" altLang="zh-CN" dirty="0">
+                <a:hlinkClick r:id="rId2"/>
+              </a:rPr>
+              <a:t>https://</a:t>
+            </a:r>
+            <a:r>
+              <a:rPr lang="en-US" altLang="zh-CN" dirty="0" smtClean="0">
+                <a:hlinkClick r:id="rId2"/>
+              </a:rPr>
+              <a:t>github.com/jamiebuilds/babel-handbook/blob/master/translations/zh-Hans/plugin-handbook.md</a:t>
+            </a:r>
+            <a:r>
+              <a:rPr lang="en-US" altLang="zh-CN" dirty="0"/>
+              <a:t> </a:t>
+            </a:r>
+            <a:r>
+              <a:rPr lang="zh-CN" altLang="en-US" dirty="0" smtClean="0"/>
+              <a:t>插件手册</a:t>
+            </a:r>
+            <a:endParaRPr kumimoji="1" lang="zh-CN" altLang="en-US" dirty="0"/>
+          </a:p>
+        </p:txBody>
+      </p:sp>
+    </p:spTree>
+    <p:extLst>
+      <p:ext uri="{BB962C8B-B14F-4D97-AF65-F5344CB8AC3E}">
+        <p14:creationId xmlns:p14="http://schemas.microsoft.com/office/powerpoint/2010/main" val="1453185517"/>
+      </p:ext>
+    </p:extLst>
+  </p:cSld>
+  <p:clrMapOvr>
+    <a:masterClrMapping/>
+  </p:clrMapOvr>
+</p:sld>
+</file>
+
+<file path=ppt/slides/slide2.xml><?xml version="1.0" encoding="utf-8"?>
+<p:sld xmlns:a="http://schemas.openxmlformats.org/drawingml/2006/main" xmlns:r="http://schemas.openxmlformats.org/officeDocument/2006/relationships" xmlns:p="http://schemas.openxmlformats.org/presentationml/2006/main">
+  <p:cSld>
+    <p:spTree>
+      <p:nvGrpSpPr>
+        <p:cNvPr id="1" name=""/>
+        <p:cNvGrpSpPr/>
+        <p:nvPr/>
+      </p:nvGrpSpPr>
+      <p:grpSpPr>
+        <a:xfrm>
+          <a:off x="0" y="0"/>
+          <a:ext cx="0" cy="0"/>
+          <a:chOff x="0" y="0"/>
+          <a:chExt cx="0" cy="0"/>
+        </a:xfrm>
+      </p:grpSpPr>
+      <p:sp>
+        <p:nvSpPr>
+          <p:cNvPr id="2" name="标题 1"/>
+          <p:cNvSpPr>
+            <a:spLocks noGrp="1"/>
+          </p:cNvSpPr>
+          <p:nvPr>
+            <p:ph type="ctrTitle"/>
+          </p:nvPr>
+        </p:nvSpPr>
+        <p:spPr>
+          <a:xfrm>
+            <a:off x="963826" y="2767914"/>
+            <a:ext cx="7970109" cy="457201"/>
+          </a:xfrm>
+        </p:spPr>
+        <p:txBody>
+          <a:bodyPr/>
+          <a:lstStyle/>
+          <a:p>
+            <a:r>
+              <a:rPr lang="en-US" altLang="zh-CN" sz="3200" b="1" dirty="0"/>
+              <a:t>Babel, Babylon </a:t>
+            </a:r>
+            <a:r>
+              <a:rPr lang="zh-CN" altLang="en-US" sz="3200" b="1" dirty="0" smtClean="0"/>
+              <a:t>含义</a:t>
+            </a:r>
+            <a:r>
+              <a:rPr lang="en-US" altLang="zh-CN" sz="3200" b="1" dirty="0" smtClean="0"/>
+              <a:t/>
+            </a:r>
+            <a:br>
+              <a:rPr lang="en-US" altLang="zh-CN" sz="3200" b="1" dirty="0" smtClean="0"/>
+            </a:br>
+            <a:r>
+              <a:rPr lang="zh-CN" altLang="en-US" dirty="0"/>
+              <a:t/>
+            </a:r>
+            <a:br>
+              <a:rPr lang="zh-CN" altLang="en-US" dirty="0"/>
+            </a:br>
+            <a:r>
+              <a:rPr lang="en-US" altLang="zh-CN" sz="2400" dirty="0"/>
+              <a:t>Babylon </a:t>
+            </a:r>
+            <a:r>
+              <a:rPr lang="zh-CN" altLang="en-US" sz="2400" dirty="0"/>
+              <a:t>读出来是巴比伦的意思，指的是巴比伦文明</a:t>
+            </a:r>
+            <a:br>
+              <a:rPr lang="zh-CN" altLang="en-US" sz="2400" dirty="0"/>
+            </a:br>
+            <a:r>
+              <a:rPr lang="en-US" altLang="zh-CN" sz="2400" dirty="0"/>
+              <a:t>Babel </a:t>
+            </a:r>
+            <a:r>
+              <a:rPr lang="zh-CN" altLang="en-US" sz="2400" dirty="0"/>
+              <a:t>指的是通天塔，是巴比伦文明里面的 </a:t>
+            </a:r>
+            <a:r>
+              <a:rPr lang="zh-CN" altLang="en-US" sz="2400" dirty="0" smtClean="0"/>
+              <a:t>通天塔</a:t>
+            </a:r>
+            <a:endParaRPr kumimoji="1" lang="zh-CN" altLang="en-US" dirty="0"/>
+          </a:p>
+        </p:txBody>
+      </p:sp>
+      <p:sp>
+        <p:nvSpPr>
+          <p:cNvPr id="3" name="副标题 2"/>
+          <p:cNvSpPr>
+            <a:spLocks noGrp="1"/>
+          </p:cNvSpPr>
+          <p:nvPr>
+            <p:ph type="subTitle" idx="1"/>
+          </p:nvPr>
+        </p:nvSpPr>
+        <p:spPr>
+          <a:xfrm>
+            <a:off x="963826" y="3546389"/>
+            <a:ext cx="9910119" cy="2092411"/>
+          </a:xfrm>
+        </p:spPr>
+        <p:txBody>
+          <a:bodyPr>
+            <a:normAutofit/>
+          </a:bodyPr>
+          <a:lstStyle/>
+          <a:p>
+            <a:r>
+              <a:rPr lang="zh-CN" altLang="en-US" dirty="0"/>
+              <a:t>当时地上的人们都说同一种语言，当人们离开东方之后，他们来到了示拿之地。在那里，人们想方设法烧砖好让他们能够造出一座城和一座高耸入云的塔来传播自己的名声，以免他们分散到世界各地。上帝来到人间后看到了这座城和这座塔，说一群只说一种语言的人以后便没有他们做不成的事了；于是上帝将他们的语言打乱，这样他们就不能听懂对方说什么了，还把他们分散到了世界各地，这座城市也停止了修建。这座城市就被称为“巴别城”。 </a:t>
+            </a:r>
+            <a:r>
+              <a:rPr lang="en-US" altLang="zh-CN" dirty="0"/>
+              <a:t>-- 《</a:t>
+            </a:r>
+            <a:r>
+              <a:rPr lang="zh-CN" altLang="en-US" dirty="0"/>
+              <a:t>创世记</a:t>
+            </a:r>
+            <a:r>
+              <a:rPr lang="en-US" altLang="zh-CN" dirty="0"/>
+              <a:t>》</a:t>
+            </a:r>
+            <a:endParaRPr kumimoji="1" lang="zh-CN" altLang="en-US" dirty="0"/>
+          </a:p>
+        </p:txBody>
+      </p:sp>
+    </p:spTree>
+    <p:extLst>
+      <p:ext uri="{BB962C8B-B14F-4D97-AF65-F5344CB8AC3E}">
+        <p14:creationId xmlns:p14="http://schemas.microsoft.com/office/powerpoint/2010/main" val="735749361"/>
       </p:ext>
     </p:extLst>
   </p:cSld>
@@ -13612,31 +14381,176 @@
           <a:lstStyle/>
           <a:p>
             <a:r>
-              <a:rPr kumimoji="1" lang="en-US" altLang="zh-CN" dirty="0"/>
-              <a:t>Babel </a:t>
-            </a:r>
-            <a:r>
-              <a:rPr kumimoji="1" lang="zh-CN" altLang="en-US" dirty="0"/>
-              <a:t>能做什么？</a:t>
-            </a:r>
+              <a:rPr lang="zh-CN" altLang="en-US" b="1" dirty="0"/>
+              <a:t>抽象语法树（</a:t>
+            </a:r>
+            <a:r>
+              <a:rPr lang="en-US" altLang="zh-CN" b="1" dirty="0"/>
+              <a:t>AST</a:t>
+            </a:r>
+            <a:r>
+              <a:rPr lang="zh-CN" altLang="en-US" b="1" dirty="0"/>
+              <a:t>）</a:t>
+            </a:r>
+            <a:br>
+              <a:rPr lang="zh-CN" altLang="en-US" b="1" dirty="0"/>
+            </a:br>
+            <a:endParaRPr kumimoji="1" lang="zh-CN" altLang="en-US" dirty="0"/>
           </a:p>
         </p:txBody>
       </p:sp>
-      <p:sp>
-        <p:nvSpPr>
-          <p:cNvPr id="3" name="内容占位符 2"/>
-          <p:cNvSpPr>
-            <a:spLocks noGrp="1"/>
-          </p:cNvSpPr>
+      <p:pic>
+        <p:nvPicPr>
+          <p:cNvPr id="6" name="内容占位符 5"/>
+          <p:cNvPicPr>
+            <a:picLocks noGrp="1" noChangeAspect="1"/>
+          </p:cNvPicPr>
           <p:nvPr>
             <p:ph idx="1"/>
           </p:nvPr>
+        </p:nvPicPr>
+        <p:blipFill>
+          <a:blip r:embed="rId2">
+            <a:extLst>
+              <a:ext uri="{28A0092B-C50C-407E-A947-70E740481C1C}">
+                <a14:useLocalDpi xmlns:a14="http://schemas.microsoft.com/office/drawing/2010/main" val="0"/>
+              </a:ext>
+            </a:extLst>
+          </a:blip>
+          <a:stretch>
+            <a:fillRect/>
+          </a:stretch>
+        </p:blipFill>
+        <p:spPr>
+          <a:xfrm>
+            <a:off x="1427679" y="2603500"/>
+            <a:ext cx="9285629" cy="3173317"/>
+          </a:xfrm>
+        </p:spPr>
+      </p:pic>
+      <p:sp>
+        <p:nvSpPr>
+          <p:cNvPr id="7" name="文本框 6"/>
+          <p:cNvSpPr txBox="1"/>
+          <p:nvPr/>
         </p:nvSpPr>
-        <p:spPr/>
+        <p:spPr>
+          <a:xfrm>
+            <a:off x="439358" y="5918886"/>
+            <a:ext cx="10192603" cy="923330"/>
+          </a:xfrm>
+          <a:prstGeom prst="rect">
+            <a:avLst/>
+          </a:prstGeom>
+          <a:noFill/>
+        </p:spPr>
         <p:txBody>
-          <a:bodyPr/>
+          <a:bodyPr wrap="square" rtlCol="0">
+            <a:spAutoFit/>
+          </a:bodyPr>
           <a:lstStyle/>
           <a:p>
+            <a:pPr marL="285750" indent="-285750">
+              <a:buFont typeface="Arial" charset="0"/>
+              <a:buChar char="•"/>
+            </a:pPr>
+            <a:r>
+              <a:rPr lang="en-US" altLang="zh-CN" dirty="0"/>
+              <a:t>Babylon</a:t>
+            </a:r>
+            <a:r>
+              <a:rPr lang="zh-CN" altLang="en-US" dirty="0"/>
+              <a:t>定义了把代码解析成</a:t>
+            </a:r>
+            <a:r>
+              <a:rPr lang="en-US" altLang="zh-CN" dirty="0"/>
+              <a:t>AST</a:t>
+            </a:r>
+            <a:r>
+              <a:rPr lang="zh-CN" altLang="en-US" dirty="0"/>
+              <a:t>的一套</a:t>
+            </a:r>
+            <a:r>
+              <a:rPr lang="zh-CN" altLang="en-US" dirty="0" smtClean="0"/>
+              <a:t>规范，最初</a:t>
+            </a:r>
+            <a:r>
+              <a:rPr lang="zh-CN" altLang="en-US" dirty="0"/>
+              <a:t>是从</a:t>
+            </a:r>
+            <a:r>
+              <a:rPr lang="en-US" altLang="zh-CN" dirty="0"/>
+              <a:t>Acorn</a:t>
+            </a:r>
+            <a:r>
+              <a:rPr lang="zh-CN" altLang="en-US" dirty="0"/>
+              <a:t>项目</a:t>
+            </a:r>
+            <a:r>
+              <a:rPr lang="en-US" altLang="zh-CN" dirty="0"/>
+              <a:t>fork</a:t>
+            </a:r>
+            <a:r>
+              <a:rPr lang="zh-CN" altLang="en-US" dirty="0"/>
+              <a:t>出来的</a:t>
+            </a:r>
+            <a:r>
+              <a:rPr lang="zh-CN" altLang="en-US" dirty="0" smtClean="0"/>
+              <a:t>。</a:t>
+            </a:r>
+            <a:r>
+              <a:rPr lang="zh-CN" altLang="nl-NL" dirty="0"/>
+              <a:t>是 </a:t>
+            </a:r>
+            <a:r>
+              <a:rPr lang="nl-NL" altLang="zh-CN" dirty="0">
+                <a:hlinkClick r:id="rId3"/>
+              </a:rPr>
+              <a:t>Babel</a:t>
+            </a:r>
+            <a:r>
+              <a:rPr lang="nl-NL" altLang="zh-CN" dirty="0"/>
+              <a:t> </a:t>
+            </a:r>
+            <a:r>
+              <a:rPr lang="zh-CN" altLang="nl-NL" dirty="0"/>
+              <a:t>中使用的 </a:t>
+            </a:r>
+            <a:r>
+              <a:rPr lang="nl-NL" altLang="zh-CN" dirty="0" err="1"/>
+              <a:t>JavaScript</a:t>
+            </a:r>
+            <a:r>
+              <a:rPr lang="nl-NL" altLang="zh-CN" dirty="0"/>
+              <a:t> </a:t>
+            </a:r>
+            <a:r>
+              <a:rPr lang="zh-CN" altLang="nl-NL" dirty="0"/>
+              <a:t>解析器。</a:t>
+            </a:r>
+            <a:endParaRPr lang="en-US" altLang="zh-CN" dirty="0" smtClean="0"/>
+          </a:p>
+          <a:p>
+            <a:pPr marL="285750" indent="-285750">
+              <a:buFont typeface="Arial" charset="0"/>
+              <a:buChar char="•"/>
+            </a:pPr>
+            <a:r>
+              <a:rPr lang="en-US" altLang="zh-CN" dirty="0" smtClean="0"/>
+              <a:t>babel-traverse</a:t>
+            </a:r>
+            <a:r>
+              <a:rPr lang="zh-CN" altLang="en-US" dirty="0"/>
+              <a:t>用于维护操作</a:t>
+            </a:r>
+            <a:r>
+              <a:rPr lang="en-US" altLang="zh-CN" dirty="0"/>
+              <a:t>AST</a:t>
+            </a:r>
+            <a:r>
+              <a:rPr lang="zh-CN" altLang="en-US" dirty="0"/>
+              <a:t>的状态，定义了更新、添加和移除节点的操作方法。</a:t>
+            </a:r>
             <a:endParaRPr kumimoji="1" lang="zh-CN" altLang="en-US" dirty="0"/>
           </a:p>
         </p:txBody>
@@ -13644,13 +14558,20 @@
     </p:spTree>
     <p:extLst>
       <p:ext uri="{BB962C8B-B14F-4D97-AF65-F5344CB8AC3E}">
-        <p14:creationId xmlns:p14="http://schemas.microsoft.com/office/powerpoint/2010/main" val="884927860"/>
+        <p14:creationId xmlns:p14="http://schemas.microsoft.com/office/powerpoint/2010/main" val="362382013"/>
       </p:ext>
     </p:extLst>
   </p:cSld>
   <p:clrMapOvr>
     <a:masterClrMapping/>
   </p:clrMapOvr>
+  <p:timing>
+    <p:tnLst>
+      <p:par>
+        <p:cTn id="1" dur="indefinite" restart="never" nodeType="tmRoot"/>
+      </p:par>
+    </p:tnLst>
+  </p:timing>
 </p:sld>
 </file>
 
@@ -13692,7 +14613,7 @@
             </a:r>
             <a:r>
               <a:rPr kumimoji="1" lang="zh-CN" altLang="en-US" dirty="0" smtClean="0"/>
-              <a:t>组成</a:t>
+              <a:t> 是做什么的</a:t>
             </a:r>
             <a:endParaRPr kumimoji="1" lang="zh-CN" altLang="en-US" dirty="0"/>
           </a:p>
@@ -13714,120 +14635,73 @@
           <a:lstStyle/>
           <a:p>
             <a:r>
+              <a:rPr lang="en-US" altLang="zh-CN" b="1" dirty="0" smtClean="0"/>
+              <a:t>Babel </a:t>
+            </a:r>
+            <a:r>
+              <a:rPr lang="zh-CN" altLang="en-US" b="1" dirty="0"/>
+              <a:t>是一个 </a:t>
+            </a:r>
+            <a:r>
+              <a:rPr lang="en-US" altLang="zh-CN" b="1" dirty="0"/>
+              <a:t>JavaScript </a:t>
+            </a:r>
+            <a:r>
+              <a:rPr lang="zh-CN" altLang="en-US" b="1" dirty="0"/>
+              <a:t>编译</a:t>
+            </a:r>
+            <a:r>
+              <a:rPr lang="zh-CN" altLang="en-US" b="1" dirty="0" smtClean="0"/>
+              <a:t>器</a:t>
+            </a:r>
+            <a:endParaRPr lang="en-US" altLang="zh-CN" dirty="0" smtClean="0"/>
+          </a:p>
+          <a:p>
+            <a:r>
+              <a:rPr lang="en-US" altLang="zh-CN" dirty="0" smtClean="0"/>
+              <a:t>Babel </a:t>
+            </a:r>
+            <a:r>
+              <a:rPr lang="zh-CN" altLang="en-US" dirty="0"/>
+              <a:t>是一个工具链，主要用于将 </a:t>
+            </a:r>
+            <a:r>
               <a:rPr lang="en-US" altLang="zh-CN" dirty="0"/>
-              <a:t>@babel/core </a:t>
-            </a:r>
-            <a:r>
-              <a:rPr lang="en-US" altLang="zh-CN" dirty="0" smtClean="0"/>
-              <a:t>AST</a:t>
+              <a:t>ECMAScript 2015+ </a:t>
+            </a:r>
+            <a:r>
+              <a:rPr lang="zh-CN" altLang="en-US" dirty="0"/>
+              <a:t>版本的代码转换为向后兼容的 </a:t>
+            </a:r>
+            <a:r>
+              <a:rPr lang="en-US" altLang="zh-CN" dirty="0"/>
+              <a:t>JavaScript </a:t>
+            </a:r>
+            <a:r>
+              <a:rPr lang="zh-CN" altLang="en-US" dirty="0"/>
+              <a:t>语法，以便能够运行在当前和旧版本的浏览器或其他环境</a:t>
             </a:r>
             <a:r>
               <a:rPr lang="zh-CN" altLang="en-US" dirty="0" smtClean="0"/>
-              <a:t>转换</a:t>
-            </a:r>
+              <a:t>中</a:t>
+            </a:r>
+            <a:endParaRPr lang="en-US" altLang="zh-CN" dirty="0"/>
+          </a:p>
+          <a:p>
             <a:r>
               <a:rPr lang="zh-CN" altLang="en-US" dirty="0"/>
-              <a:t>的</a:t>
-            </a:r>
-            <a:r>
-              <a:rPr lang="zh-CN" altLang="en-US" dirty="0" smtClean="0"/>
-              <a:t>核心</a:t>
-            </a:r>
-            <a:endParaRPr lang="en-US" altLang="zh-CN" dirty="0" smtClean="0"/>
-          </a:p>
-          <a:p>
-            <a:r>
-              <a:rPr lang="en-US" altLang="zh-CN" dirty="0"/>
-              <a:t>@</a:t>
-            </a:r>
-            <a:r>
-              <a:rPr lang="en-US" altLang="zh-CN" dirty="0" smtClean="0"/>
-              <a:t>babel/cli </a:t>
-            </a:r>
+              <a:t>语法转换</a:t>
+            </a:r>
+            <a:endParaRPr lang="en-US" altLang="zh-CN" dirty="0"/>
+          </a:p>
+          <a:p>
             <a:r>
               <a:rPr lang="zh-CN" altLang="en-US" dirty="0"/>
-              <a:t>打包</a:t>
-            </a:r>
-            <a:r>
-              <a:rPr lang="zh-CN" altLang="en-US" dirty="0" smtClean="0"/>
-              <a:t>工具</a:t>
-            </a:r>
-            <a:endParaRPr lang="en-US" altLang="zh-CN" dirty="0" smtClean="0"/>
-          </a:p>
-          <a:p>
-            <a:r>
-              <a:rPr lang="en-US" altLang="zh-CN" dirty="0"/>
-              <a:t>@babel/plugin* Babel </a:t>
-            </a:r>
-            <a:r>
-              <a:rPr lang="zh-CN" altLang="en-US" dirty="0"/>
-              <a:t>插件机制，</a:t>
-            </a:r>
-            <a:r>
-              <a:rPr lang="en-US" altLang="zh-CN" dirty="0"/>
-              <a:t>Babel</a:t>
-            </a:r>
-            <a:r>
-              <a:rPr lang="zh-CN" altLang="en-US" dirty="0"/>
-              <a:t>基础功能不满足的时候</a:t>
-            </a:r>
-            <a:r>
-              <a:rPr lang="en-US" altLang="zh-CN" dirty="0"/>
-              <a:t>,</a:t>
-            </a:r>
-            <a:r>
-              <a:rPr lang="zh-CN" altLang="en-US" dirty="0"/>
-              <a:t>手动添加</a:t>
-            </a:r>
-            <a:r>
-              <a:rPr lang="zh-CN" altLang="en-US" dirty="0" smtClean="0"/>
-              <a:t>些</a:t>
-            </a:r>
-            <a:endParaRPr lang="en-US" altLang="zh-CN" dirty="0" smtClean="0"/>
-          </a:p>
-          <a:p>
-            <a:r>
-              <a:rPr lang="en-US" altLang="zh-CN" dirty="0"/>
-              <a:t>@babel/preset-</a:t>
+              <a:t>通过 </a:t>
             </a:r>
             <a:r>
               <a:rPr lang="en-US" altLang="zh-CN" dirty="0" err="1"/>
-              <a:t>env</a:t>
-            </a:r>
-            <a:r>
-              <a:rPr lang="en-US" altLang="zh-CN" i="1" dirty="0"/>
-              <a:t> </a:t>
-            </a:r>
-            <a:r>
-              <a:rPr lang="zh-CN" altLang="en-US" i="1" dirty="0"/>
-              <a:t>把许多 </a:t>
-            </a:r>
-            <a:r>
-              <a:rPr lang="en-US" altLang="zh-CN" i="1" dirty="0"/>
-              <a:t>@babel/plugin</a:t>
-            </a:r>
-            <a:r>
-              <a:rPr lang="en-US" altLang="zh-CN" dirty="0"/>
-              <a:t> </a:t>
-            </a:r>
-            <a:r>
-              <a:rPr lang="zh-CN" altLang="en-US" dirty="0"/>
-              <a:t>综合了下，减少</a:t>
-            </a:r>
-            <a:r>
-              <a:rPr lang="zh-CN" altLang="en-US" dirty="0" smtClean="0"/>
-              <a:t>配置</a:t>
-            </a:r>
-            <a:endParaRPr lang="en-US" altLang="zh-CN" dirty="0" smtClean="0"/>
-          </a:p>
-          <a:p>
-            <a:r>
-              <a:rPr lang="en-US" altLang="zh-CN" dirty="0"/>
-              <a:t>@babel/</a:t>
-            </a:r>
-            <a:r>
-              <a:rPr lang="en-US" altLang="zh-CN" dirty="0" err="1"/>
-              <a:t>polyfill</a:t>
+              <a:t>Polyfill</a:t>
             </a:r>
             <a:r>
               <a:rPr lang="en-US" altLang="zh-CN" dirty="0"/>
@@ -13835,71 +14709,68 @@
             </a:r>
             <a:r>
               <a:rPr lang="zh-CN" altLang="en-US" dirty="0"/>
-              <a:t>把浏览器某些不支持</a:t>
+              <a:t>方式在目标环境中添加缺失的特性 </a:t>
             </a:r>
             <a:r>
               <a:rPr lang="en-US" altLang="zh-CN" dirty="0"/>
-              <a:t>API</a:t>
+              <a:t>(</a:t>
             </a:r>
             <a:r>
               <a:rPr lang="zh-CN" altLang="en-US" dirty="0"/>
-              <a:t>，兼容性代码全部导入到项目</a:t>
+              <a:t>通过 </a:t>
+            </a:r>
+            <a:r>
+              <a:rPr lang="en-US" altLang="zh-CN" dirty="0">
+                <a:hlinkClick r:id="rId2"/>
+              </a:rPr>
+              <a:t>@babel/polyfill</a:t>
+            </a:r>
+            <a:r>
+              <a:rPr lang="zh-CN" altLang="en-US" dirty="0"/>
+              <a:t> 模块</a:t>
             </a:r>
             <a:r>
               <a:rPr lang="en-US" altLang="zh-CN" dirty="0"/>
-              <a:t>,</a:t>
-            </a:r>
+              <a:t>)</a:t>
+            </a:r>
+          </a:p>
+          <a:p>
             <a:r>
               <a:rPr lang="zh-CN" altLang="en-US" dirty="0"/>
-              <a:t>不管你是不是用到</a:t>
+              <a:t>源码转换 </a:t>
             </a:r>
             <a:r>
               <a:rPr lang="en-US" altLang="zh-CN" dirty="0"/>
-              <a:t>,</a:t>
-            </a:r>
-            <a:r>
-              <a:rPr lang="zh-CN" altLang="en-US" dirty="0"/>
-              <a:t>缺点是代码体积特别</a:t>
-            </a:r>
-            <a:r>
-              <a:rPr lang="zh-CN" altLang="en-US" dirty="0" smtClean="0"/>
-              <a:t>大</a:t>
-            </a:r>
+              <a:t>(</a:t>
+            </a:r>
+            <a:r>
+              <a:rPr lang="en-US" altLang="zh-CN" dirty="0" err="1"/>
+              <a:t>codemods</a:t>
+            </a:r>
+            <a:r>
+              <a:rPr lang="en-US" altLang="zh-CN" dirty="0" smtClean="0"/>
+              <a:t>)</a:t>
+            </a:r>
+          </a:p>
+          <a:p>
+            <a:r>
+              <a:rPr kumimoji="1" lang="zh-CN" altLang="en-US" dirty="0" smtClean="0"/>
+              <a:t>自定义语法实例，创造自己的</a:t>
+            </a:r>
+            <a:r>
+              <a:rPr kumimoji="1" lang="en-US" altLang="zh-CN" dirty="0" err="1" smtClean="0"/>
+              <a:t>js</a:t>
+            </a:r>
+            <a:r>
+              <a:rPr kumimoji="1" lang="zh-CN" altLang="en-US" dirty="0" smtClean="0"/>
+              <a:t>语法</a:t>
+            </a:r>
+            <a:endParaRPr kumimoji="1" lang="zh-CN" altLang="en-US" dirty="0"/>
+          </a:p>
+          <a:p>
             <a:endParaRPr lang="en-US" altLang="zh-CN" dirty="0" smtClean="0"/>
           </a:p>
           <a:p>
-            <a:r>
-              <a:rPr lang="en-US" altLang="zh-CN" dirty="0"/>
-              <a:t>@babel/runtime </a:t>
-            </a:r>
-            <a:r>
-              <a:rPr lang="zh-CN" altLang="en-US" dirty="0"/>
-              <a:t>把你</a:t>
-            </a:r>
-            <a:r>
-              <a:rPr lang="zh-CN" altLang="en-US" b="1" dirty="0"/>
-              <a:t>使用到</a:t>
-            </a:r>
-            <a:r>
-              <a:rPr lang="zh-CN" altLang="en-US" dirty="0"/>
-              <a:t>的浏览器某些不支持</a:t>
-            </a:r>
-            <a:r>
-              <a:rPr lang="en-US" altLang="zh-CN" dirty="0"/>
-              <a:t>API</a:t>
-            </a:r>
-            <a:r>
-              <a:rPr lang="zh-CN" altLang="en-US" dirty="0"/>
-              <a:t>，按需导入</a:t>
-            </a:r>
-            <a:r>
-              <a:rPr lang="en-US" altLang="zh-CN" dirty="0"/>
-              <a:t>,</a:t>
-            </a:r>
-            <a:r>
-              <a:rPr lang="zh-CN" altLang="en-US" dirty="0"/>
-              <a:t>代码少</a:t>
-            </a:r>
             <a:endParaRPr kumimoji="1" lang="zh-CN" altLang="en-US" dirty="0"/>
           </a:p>
         </p:txBody>
@@ -13907,13 +14778,20 @@
     </p:spTree>
     <p:extLst>
       <p:ext uri="{BB962C8B-B14F-4D97-AF65-F5344CB8AC3E}">
-        <p14:creationId xmlns:p14="http://schemas.microsoft.com/office/powerpoint/2010/main" val="1605176720"/>
+        <p14:creationId xmlns:p14="http://schemas.microsoft.com/office/powerpoint/2010/main" val="425677153"/>
       </p:ext>
     </p:extLst>
   </p:cSld>
   <p:clrMapOvr>
     <a:masterClrMapping/>
   </p:clrMapOvr>
+  <p:timing>
+    <p:tnLst>
+      <p:par>
+        <p:cTn id="1" dur="indefinite" restart="never" nodeType="tmRoot"/>
+      </p:par>
+    </p:tnLst>
+  </p:timing>
 </p:sld>
 </file>
 
@@ -13955,7 +14833,7 @@
             </a:r>
             <a:r>
               <a:rPr kumimoji="1" lang="zh-CN" altLang="en-US" dirty="0" smtClean="0"/>
-              <a:t> 插件</a:t>
+              <a:t>组成</a:t>
             </a:r>
             <a:endParaRPr kumimoji="1" lang="zh-CN" altLang="en-US" dirty="0"/>
           </a:p>
@@ -13977,64 +14855,191 @@
           <a:lstStyle/>
           <a:p>
             <a:r>
-              <a:rPr kumimoji="1" lang="zh-CN" altLang="en-US" dirty="0" smtClean="0"/>
-              <a:t>功能：转换代码。</a:t>
-            </a:r>
-            <a:endParaRPr kumimoji="1" lang="en-US" altLang="zh-CN" dirty="0" smtClean="0"/>
-          </a:p>
-          <a:p>
-            <a:r>
-              <a:rPr kumimoji="1" lang="zh-CN" altLang="en-US" dirty="0" smtClean="0"/>
-              <a:t>用法：</a:t>
-            </a:r>
-            <a:r>
-              <a:rPr kumimoji="1" lang="en-US" altLang="zh-CN" dirty="0" smtClean="0"/>
-              <a:t>plugins: [‘plugin1’, ‘plugin2’ ]; plugins: [[‘plugins’, { </a:t>
-            </a:r>
-            <a:r>
-              <a:rPr kumimoji="1" lang="en-US" altLang="zh-CN" dirty="0" err="1" smtClean="0"/>
-              <a:t>params</a:t>
-            </a:r>
-            <a:r>
-              <a:rPr kumimoji="1" lang="en-US" altLang="zh-CN" dirty="0" smtClean="0"/>
-              <a:t> }]]</a:t>
-            </a:r>
-          </a:p>
-          <a:p>
-            <a:r>
-              <a:rPr kumimoji="1" lang="zh-CN" altLang="en-US" dirty="0" smtClean="0"/>
-              <a:t>插件短名称： 如果插件名称前缀是 </a:t>
-            </a:r>
-            <a:r>
-              <a:rPr kumimoji="1" lang="en-US" altLang="zh-CN" dirty="0" smtClean="0"/>
-              <a:t>babel-</a:t>
-            </a:r>
-            <a:r>
-              <a:rPr kumimoji="1" lang="en-US" altLang="zh-CN" dirty="0" err="1" smtClean="0"/>
-              <a:t>plgin</a:t>
-            </a:r>
-            <a:r>
-              <a:rPr kumimoji="1" lang="en-US" altLang="zh-CN" dirty="0" smtClean="0"/>
-              <a:t>- </a:t>
-            </a:r>
-            <a:r>
-              <a:rPr kumimoji="1" lang="zh-CN" altLang="en-US" dirty="0" smtClean="0"/>
-              <a:t>可以省略前缀。</a:t>
-            </a:r>
-            <a:endParaRPr kumimoji="1" lang="en-US" altLang="zh-CN" dirty="0" smtClean="0"/>
-          </a:p>
-          <a:p>
-            <a:r>
-              <a:rPr kumimoji="1" lang="zh-CN" altLang="en-US" dirty="0" smtClean="0"/>
-              <a:t>插件执行：先于</a:t>
-            </a:r>
-            <a:r>
-              <a:rPr kumimoji="1" lang="en-US" altLang="zh-CN" dirty="0" smtClean="0"/>
-              <a:t>preset</a:t>
-            </a:r>
-            <a:r>
-              <a:rPr kumimoji="1" lang="zh-CN" altLang="en-US" dirty="0" smtClean="0"/>
-              <a:t>执行，顺序从前往后。</a:t>
+              <a:rPr lang="en-US" altLang="zh-CN" dirty="0"/>
+              <a:t>@babel/core </a:t>
+            </a:r>
+            <a:r>
+              <a:rPr lang="en-US" altLang="zh-CN" dirty="0" smtClean="0"/>
+              <a:t>AST</a:t>
+            </a:r>
+            <a:r>
+              <a:rPr lang="zh-CN" altLang="en-US" dirty="0" smtClean="0"/>
+              <a:t>转换</a:t>
+            </a:r>
+            <a:r>
+              <a:rPr lang="zh-CN" altLang="en-US" dirty="0"/>
+              <a:t>的</a:t>
+            </a:r>
+            <a:r>
+              <a:rPr lang="zh-CN" altLang="en-US" dirty="0" smtClean="0"/>
+              <a:t>核心</a:t>
+            </a:r>
+            <a:endParaRPr lang="en-US" altLang="zh-CN" dirty="0" smtClean="0"/>
+          </a:p>
+          <a:p>
+            <a:r>
+              <a:rPr lang="en-US" altLang="zh-CN" dirty="0"/>
+              <a:t>@</a:t>
+            </a:r>
+            <a:r>
+              <a:rPr lang="en-US" altLang="zh-CN" dirty="0" smtClean="0"/>
+              <a:t>babel/cli </a:t>
+            </a:r>
+            <a:r>
+              <a:rPr lang="zh-CN" altLang="en-US" dirty="0"/>
+              <a:t>打包</a:t>
+            </a:r>
+            <a:r>
+              <a:rPr lang="zh-CN" altLang="en-US" dirty="0" smtClean="0"/>
+              <a:t>工具</a:t>
+            </a:r>
+            <a:endParaRPr lang="en-US" altLang="zh-CN" dirty="0" smtClean="0"/>
+          </a:p>
+          <a:p>
+            <a:r>
+              <a:rPr lang="en-US" altLang="zh-CN" dirty="0"/>
+              <a:t>@babel/plugin* Babel </a:t>
+            </a:r>
+            <a:r>
+              <a:rPr lang="zh-CN" altLang="en-US" dirty="0"/>
+              <a:t>插件机制，</a:t>
+            </a:r>
+            <a:r>
+              <a:rPr lang="en-US" altLang="zh-CN" dirty="0"/>
+              <a:t>Babel</a:t>
+            </a:r>
+            <a:r>
+              <a:rPr lang="zh-CN" altLang="en-US" dirty="0"/>
+              <a:t>基础功能不满足的时候</a:t>
+            </a:r>
+            <a:r>
+              <a:rPr lang="en-US" altLang="zh-CN" dirty="0"/>
+              <a:t>,</a:t>
+            </a:r>
+            <a:r>
+              <a:rPr lang="zh-CN" altLang="en-US" dirty="0"/>
+              <a:t>手动添加</a:t>
+            </a:r>
+            <a:r>
+              <a:rPr lang="zh-CN" altLang="en-US" dirty="0" smtClean="0"/>
+              <a:t>些</a:t>
+            </a:r>
+            <a:endParaRPr lang="en-US" altLang="zh-CN" dirty="0" smtClean="0"/>
+          </a:p>
+          <a:p>
+            <a:r>
+              <a:rPr lang="en-US" altLang="zh-CN" dirty="0"/>
+              <a:t>@babel/preset-</a:t>
+            </a:r>
+            <a:r>
+              <a:rPr lang="en-US" altLang="zh-CN" dirty="0" err="1"/>
+              <a:t>env</a:t>
+            </a:r>
+            <a:r>
+              <a:rPr lang="en-US" altLang="zh-CN" i="1" dirty="0"/>
+              <a:t> </a:t>
+            </a:r>
+            <a:r>
+              <a:rPr lang="zh-CN" altLang="en-US" i="1" dirty="0"/>
+              <a:t>把许多 </a:t>
+            </a:r>
+            <a:r>
+              <a:rPr lang="en-US" altLang="zh-CN" i="1" dirty="0"/>
+              <a:t>@babel/plugin</a:t>
+            </a:r>
+            <a:r>
+              <a:rPr lang="en-US" altLang="zh-CN" dirty="0"/>
+              <a:t> </a:t>
+            </a:r>
+            <a:r>
+              <a:rPr lang="zh-CN" altLang="en-US" dirty="0"/>
+              <a:t>综合了下，减少</a:t>
+            </a:r>
+            <a:r>
+              <a:rPr lang="zh-CN" altLang="en-US" dirty="0" smtClean="0"/>
+              <a:t>配置</a:t>
+            </a:r>
+            <a:endParaRPr lang="en-US" altLang="zh-CN" dirty="0" smtClean="0"/>
+          </a:p>
+          <a:p>
+            <a:r>
+              <a:rPr lang="en-US" altLang="zh-CN" dirty="0"/>
+              <a:t>@babel/</a:t>
+            </a:r>
+            <a:r>
+              <a:rPr lang="en-US" altLang="zh-CN" dirty="0" err="1"/>
+              <a:t>polyfill</a:t>
+            </a:r>
+            <a:r>
+              <a:rPr lang="en-US" altLang="zh-CN" dirty="0"/>
+              <a:t> </a:t>
+            </a:r>
+            <a:r>
+              <a:rPr lang="zh-CN" altLang="en-US" dirty="0"/>
+              <a:t>把浏览器某些不支持</a:t>
+            </a:r>
+            <a:r>
+              <a:rPr lang="en-US" altLang="zh-CN" dirty="0"/>
+              <a:t>API</a:t>
+            </a:r>
+            <a:r>
+              <a:rPr lang="zh-CN" altLang="en-US" dirty="0"/>
+              <a:t>，兼容性代码全部导入到项目</a:t>
+            </a:r>
+            <a:r>
+              <a:rPr lang="en-US" altLang="zh-CN" dirty="0"/>
+              <a:t>,</a:t>
+            </a:r>
+            <a:r>
+              <a:rPr lang="zh-CN" altLang="en-US" dirty="0"/>
+              <a:t>不管你是不是用到</a:t>
+            </a:r>
+            <a:r>
+              <a:rPr lang="en-US" altLang="zh-CN" dirty="0"/>
+              <a:t>,</a:t>
+            </a:r>
+            <a:r>
+              <a:rPr lang="zh-CN" altLang="en-US" dirty="0"/>
+              <a:t>缺点是代码体积特别</a:t>
+            </a:r>
+            <a:r>
+              <a:rPr lang="zh-CN" altLang="en-US" dirty="0" smtClean="0"/>
+              <a:t>大</a:t>
+            </a:r>
+            <a:endParaRPr lang="en-US" altLang="zh-CN" dirty="0" smtClean="0"/>
+          </a:p>
+          <a:p>
+            <a:r>
+              <a:rPr lang="en-US" altLang="zh-CN" dirty="0"/>
+              <a:t>@babel/runtime </a:t>
+            </a:r>
+            <a:r>
+              <a:rPr lang="zh-CN" altLang="en-US" dirty="0"/>
+              <a:t>把你</a:t>
+            </a:r>
+            <a:r>
+              <a:rPr lang="zh-CN" altLang="en-US" b="1" dirty="0"/>
+              <a:t>使用到</a:t>
+            </a:r>
+            <a:r>
+              <a:rPr lang="zh-CN" altLang="en-US" dirty="0"/>
+              <a:t>的浏览器某些不支持</a:t>
+            </a:r>
+            <a:r>
+              <a:rPr lang="en-US" altLang="zh-CN" dirty="0"/>
+              <a:t>API</a:t>
+            </a:r>
+            <a:r>
+              <a:rPr lang="zh-CN" altLang="en-US" dirty="0"/>
+              <a:t>，按需导入</a:t>
+            </a:r>
+            <a:r>
+              <a:rPr lang="en-US" altLang="zh-CN" dirty="0"/>
+              <a:t>,</a:t>
+            </a:r>
+            <a:r>
+              <a:rPr lang="zh-CN" altLang="en-US" dirty="0"/>
+              <a:t>代码少</a:t>
             </a:r>
             <a:endParaRPr kumimoji="1" lang="zh-CN" altLang="en-US" dirty="0"/>
           </a:p>
@@ -14043,13 +15048,20 @@
     </p:spTree>
     <p:extLst>
       <p:ext uri="{BB962C8B-B14F-4D97-AF65-F5344CB8AC3E}">
-        <p14:creationId xmlns:p14="http://schemas.microsoft.com/office/powerpoint/2010/main" val="1802012123"/>
+        <p14:creationId xmlns:p14="http://schemas.microsoft.com/office/powerpoint/2010/main" val="1605176720"/>
       </p:ext>
     </p:extLst>
   </p:cSld>
   <p:clrMapOvr>
     <a:masterClrMapping/>
   </p:clrMapOvr>
+  <p:timing>
+    <p:tnLst>
+      <p:par>
+        <p:cTn id="1" dur="indefinite" restart="never" nodeType="tmRoot"/>
+      </p:par>
+    </p:tnLst>
+  </p:timing>
 </p:sld>
 </file>
 
@@ -14086,16 +15098,12 @@
           <a:lstStyle/>
           <a:p>
             <a:r>
-              <a:rPr kumimoji="1" lang="en-US" altLang="zh-CN" dirty="0" err="1" smtClean="0"/>
-              <a:t>Persets</a:t>
-            </a:r>
-            <a:r>
               <a:rPr kumimoji="1" lang="en-US" altLang="zh-CN" dirty="0" smtClean="0"/>
-              <a:t> </a:t>
+              <a:t>Babel</a:t>
             </a:r>
             <a:r>
               <a:rPr kumimoji="1" lang="zh-CN" altLang="en-US" dirty="0" smtClean="0"/>
-              <a:t>预设</a:t>
+              <a:t> 插件</a:t>
             </a:r>
             <a:endParaRPr kumimoji="1" lang="zh-CN" altLang="en-US" dirty="0"/>
           </a:p>
@@ -14118,7 +15126,55 @@
           <a:p>
             <a:r>
               <a:rPr kumimoji="1" lang="zh-CN" altLang="en-US" dirty="0" smtClean="0"/>
-              <a:t>作用：</a:t>
+              <a:t>功能：转换代码。</a:t>
+            </a:r>
+            <a:endParaRPr kumimoji="1" lang="en-US" altLang="zh-CN" dirty="0" smtClean="0"/>
+          </a:p>
+          <a:p>
+            <a:r>
+              <a:rPr kumimoji="1" lang="zh-CN" altLang="en-US" dirty="0" smtClean="0"/>
+              <a:t>用法：</a:t>
+            </a:r>
+            <a:r>
+              <a:rPr kumimoji="1" lang="en-US" altLang="zh-CN" dirty="0" smtClean="0"/>
+              <a:t>plugins: [‘plugin1’, ‘plugin2’ ]; plugins: [[‘plugins’, { </a:t>
+            </a:r>
+            <a:r>
+              <a:rPr kumimoji="1" lang="en-US" altLang="zh-CN" dirty="0" err="1" smtClean="0"/>
+              <a:t>params</a:t>
+            </a:r>
+            <a:r>
+              <a:rPr kumimoji="1" lang="en-US" altLang="zh-CN" dirty="0" smtClean="0"/>
+              <a:t> }]]</a:t>
+            </a:r>
+          </a:p>
+          <a:p>
+            <a:r>
+              <a:rPr kumimoji="1" lang="zh-CN" altLang="en-US" dirty="0" smtClean="0"/>
+              <a:t>插件短名称： 如果插件名称前缀是 </a:t>
+            </a:r>
+            <a:r>
+              <a:rPr kumimoji="1" lang="en-US" altLang="zh-CN" dirty="0" smtClean="0"/>
+              <a:t>babel-</a:t>
+            </a:r>
+            <a:r>
+              <a:rPr kumimoji="1" lang="en-US" altLang="zh-CN" dirty="0" err="1" smtClean="0"/>
+              <a:t>plgin</a:t>
+            </a:r>
+            <a:r>
+              <a:rPr kumimoji="1" lang="en-US" altLang="zh-CN" dirty="0" smtClean="0"/>
+              <a:t>- </a:t>
+            </a:r>
+            <a:r>
+              <a:rPr kumimoji="1" lang="zh-CN" altLang="en-US" dirty="0" smtClean="0"/>
+              <a:t>可以省略前缀。</a:t>
+            </a:r>
+            <a:endParaRPr kumimoji="1" lang="en-US" altLang="zh-CN" dirty="0" smtClean="0"/>
+          </a:p>
+          <a:p>
+            <a:r>
+              <a:rPr kumimoji="1" lang="zh-CN" altLang="en-US" dirty="0" smtClean="0"/>
+              <a:t>插件执行：先于</a:t>
             </a:r>
             <a:r>
               <a:rPr kumimoji="1" lang="en-US" altLang="zh-CN" dirty="0" smtClean="0"/>
@@ -14126,6 +15182,98 @@
             </a:r>
             <a:r>
               <a:rPr kumimoji="1" lang="zh-CN" altLang="en-US" dirty="0" smtClean="0"/>
+              <a:t>执行，顺序从前往后。</a:t>
+            </a:r>
+            <a:endParaRPr kumimoji="1" lang="zh-CN" altLang="en-US" dirty="0"/>
+          </a:p>
+        </p:txBody>
+      </p:sp>
+    </p:spTree>
+    <p:extLst>
+      <p:ext uri="{BB962C8B-B14F-4D97-AF65-F5344CB8AC3E}">
+        <p14:creationId xmlns:p14="http://schemas.microsoft.com/office/powerpoint/2010/main" val="1802012123"/>
+      </p:ext>
+    </p:extLst>
+  </p:cSld>
+  <p:clrMapOvr>
+    <a:masterClrMapping/>
+  </p:clrMapOvr>
+</p:sld>
+</file>
+
+<file path=ppt/slides/slide7.xml><?xml version="1.0" encoding="utf-8"?>
+<p:sld xmlns:a="http://schemas.openxmlformats.org/drawingml/2006/main" xmlns:r="http://schemas.openxmlformats.org/officeDocument/2006/relationships" xmlns:p="http://schemas.openxmlformats.org/presentationml/2006/main">
+  <p:cSld>
+    <p:spTree>
+      <p:nvGrpSpPr>
+        <p:cNvPr id="1" name=""/>
+        <p:cNvGrpSpPr/>
+        <p:nvPr/>
+      </p:nvGrpSpPr>
+      <p:grpSpPr>
+        <a:xfrm>
+          <a:off x="0" y="0"/>
+          <a:ext cx="0" cy="0"/>
+          <a:chOff x="0" y="0"/>
+          <a:chExt cx="0" cy="0"/>
+        </a:xfrm>
+      </p:grpSpPr>
+      <p:sp>
+        <p:nvSpPr>
+          <p:cNvPr id="2" name="标题 1"/>
+          <p:cNvSpPr>
+            <a:spLocks noGrp="1"/>
+          </p:cNvSpPr>
+          <p:nvPr>
+            <p:ph type="title"/>
+          </p:nvPr>
+        </p:nvSpPr>
+        <p:spPr/>
+        <p:txBody>
+          <a:bodyPr/>
+          <a:lstStyle/>
+          <a:p>
+            <a:r>
+              <a:rPr kumimoji="1" lang="en-US" altLang="zh-CN" dirty="0" err="1" smtClean="0"/>
+              <a:t>Persets</a:t>
+            </a:r>
+            <a:r>
+              <a:rPr kumimoji="1" lang="en-US" altLang="zh-CN" dirty="0" smtClean="0"/>
+              <a:t> </a:t>
+            </a:r>
+            <a:r>
+              <a:rPr kumimoji="1" lang="zh-CN" altLang="en-US" dirty="0" smtClean="0"/>
+              <a:t>预设</a:t>
+            </a:r>
+            <a:endParaRPr kumimoji="1" lang="zh-CN" altLang="en-US" dirty="0"/>
+          </a:p>
+        </p:txBody>
+      </p:sp>
+      <p:sp>
+        <p:nvSpPr>
+          <p:cNvPr id="3" name="内容占位符 2"/>
+          <p:cNvSpPr>
+            <a:spLocks noGrp="1"/>
+          </p:cNvSpPr>
+          <p:nvPr>
+            <p:ph idx="1"/>
+          </p:nvPr>
+        </p:nvSpPr>
+        <p:spPr/>
+        <p:txBody>
+          <a:bodyPr/>
+          <a:lstStyle/>
+          <a:p>
+            <a:r>
+              <a:rPr kumimoji="1" lang="zh-CN" altLang="en-US" dirty="0" smtClean="0"/>
+              <a:t>作用：</a:t>
+            </a:r>
+            <a:r>
+              <a:rPr kumimoji="1" lang="en-US" altLang="zh-CN" dirty="0" smtClean="0"/>
+              <a:t>preset</a:t>
+            </a:r>
+            <a:r>
+              <a:rPr kumimoji="1" lang="zh-CN" altLang="en-US" dirty="0" smtClean="0"/>
               <a:t>作为</a:t>
             </a:r>
             <a:r>
@@ -14169,7 +15317,7 @@
             </a:r>
             <a:r>
               <a:rPr kumimoji="1" lang="zh-CN" altLang="en-US" dirty="0" smtClean="0"/>
-              <a:t>常见的儿时语法</a:t>
+              <a:t>常见语法</a:t>
             </a:r>
             <a:endParaRPr kumimoji="1" lang="en-US" altLang="zh-CN" dirty="0" smtClean="0"/>
           </a:p>
@@ -14268,7 +15416,7 @@
 </p:sld>
 </file>
 
-<file path=ppt/slides/slide7.xml><?xml version="1.0" encoding="utf-8"?>
+<file path=ppt/slides/slide8.xml><?xml version="1.0" encoding="utf-8"?>
 <p:sld xmlns:a="http://schemas.openxmlformats.org/drawingml/2006/main" xmlns:r="http://schemas.openxmlformats.org/officeDocument/2006/relationships" xmlns:p="http://schemas.openxmlformats.org/presentationml/2006/main">
   <p:cSld>
     <p:spTree>
@@ -14342,10 +15490,230 @@
             <p:ph idx="1"/>
           </p:nvPr>
         </p:nvSpPr>
-        <p:spPr/>
+        <p:spPr>
+          <a:xfrm>
+            <a:off x="1154954" y="2603500"/>
+            <a:ext cx="9731349" cy="4056792"/>
+          </a:xfrm>
+        </p:spPr>
         <p:txBody>
           <a:bodyPr/>
           <a:lstStyle/>
+          <a:p>
+            <a:r>
+              <a:rPr lang="en-US" altLang="zh-CN" dirty="0"/>
+              <a:t>Babel </a:t>
+            </a:r>
+            <a:r>
+              <a:rPr lang="zh-CN" altLang="en-US" dirty="0"/>
+              <a:t>只是转换 </a:t>
+            </a:r>
+            <a:r>
+              <a:rPr lang="en-US" altLang="zh-CN" dirty="0"/>
+              <a:t>syntax </a:t>
+            </a:r>
+            <a:r>
+              <a:rPr lang="zh-CN" altLang="en-US" dirty="0"/>
+              <a:t>层语法</a:t>
+            </a:r>
+            <a:r>
+              <a:rPr lang="en-US" altLang="zh-CN" dirty="0"/>
+              <a:t>,</a:t>
+            </a:r>
+            <a:r>
+              <a:rPr lang="zh-CN" altLang="en-US" dirty="0"/>
+              <a:t>所有需要 </a:t>
+            </a:r>
+            <a:r>
+              <a:rPr lang="en-US" altLang="zh-CN" dirty="0"/>
+              <a:t>@babel/</a:t>
+            </a:r>
+            <a:r>
+              <a:rPr lang="en-US" altLang="zh-CN" dirty="0" err="1"/>
+              <a:t>polyfill</a:t>
+            </a:r>
+            <a:r>
+              <a:rPr lang="en-US" altLang="zh-CN" dirty="0"/>
+              <a:t> </a:t>
+            </a:r>
+            <a:r>
+              <a:rPr lang="zh-CN" altLang="en-US" dirty="0"/>
+              <a:t>来处理</a:t>
+            </a:r>
+            <a:r>
+              <a:rPr lang="en-US" altLang="zh-CN" dirty="0"/>
+              <a:t>API</a:t>
+            </a:r>
+            <a:r>
+              <a:rPr lang="zh-CN" altLang="en-US" dirty="0"/>
+              <a:t>兼容</a:t>
+            </a:r>
+            <a:r>
+              <a:rPr lang="en-US" altLang="zh-CN" dirty="0"/>
+              <a:t>,</a:t>
+            </a:r>
+            <a:r>
+              <a:rPr lang="zh-CN" altLang="en-US" dirty="0"/>
+              <a:t>又因为 </a:t>
+            </a:r>
+            <a:r>
+              <a:rPr lang="en-US" altLang="zh-CN" dirty="0" err="1"/>
+              <a:t>polyfill</a:t>
+            </a:r>
+            <a:r>
+              <a:rPr lang="en-US" altLang="zh-CN" dirty="0"/>
+              <a:t> </a:t>
+            </a:r>
+            <a:r>
+              <a:rPr lang="zh-CN" altLang="en-US" dirty="0"/>
+              <a:t>体积太大，所以通过 </a:t>
+            </a:r>
+            <a:r>
+              <a:rPr lang="en-US" altLang="zh-CN" dirty="0"/>
+              <a:t>preset</a:t>
+            </a:r>
+            <a:r>
+              <a:rPr lang="zh-CN" altLang="en-US" dirty="0"/>
+              <a:t>的 </a:t>
+            </a:r>
+            <a:r>
+              <a:rPr lang="en-US" altLang="zh-CN" dirty="0" err="1"/>
+              <a:t>useBuiltIns</a:t>
+            </a:r>
+            <a:r>
+              <a:rPr lang="en-US" altLang="zh-CN" dirty="0"/>
+              <a:t> </a:t>
+            </a:r>
+            <a:r>
+              <a:rPr lang="zh-CN" altLang="en-US" dirty="0"/>
+              <a:t>来实现按需加载</a:t>
+            </a:r>
+            <a:r>
+              <a:rPr lang="en-US" altLang="zh-CN" dirty="0"/>
+              <a:t>,</a:t>
+            </a:r>
+            <a:r>
+              <a:rPr lang="zh-CN" altLang="en-US" dirty="0"/>
+              <a:t>再接着为了满足 </a:t>
+            </a:r>
+            <a:r>
+              <a:rPr lang="en-US" altLang="zh-CN" dirty="0" err="1"/>
+              <a:t>npm</a:t>
+            </a:r>
+            <a:r>
+              <a:rPr lang="en-US" altLang="zh-CN" dirty="0"/>
+              <a:t> </a:t>
+            </a:r>
+            <a:r>
+              <a:rPr lang="zh-CN" altLang="en-US" dirty="0"/>
+              <a:t>组件开发的需要 出现了 </a:t>
+            </a:r>
+            <a:r>
+              <a:rPr lang="en-US" altLang="zh-CN" dirty="0"/>
+              <a:t>@babel/runtime </a:t>
+            </a:r>
+            <a:r>
+              <a:rPr lang="zh-CN" altLang="en-US" dirty="0"/>
+              <a:t>来做隔离</a:t>
+            </a:r>
+          </a:p>
+          <a:p>
+            <a:r>
+              <a:rPr lang="zh-CN" altLang="en-US" dirty="0"/>
+              <a:t>啥子是 </a:t>
+            </a:r>
+            <a:r>
+              <a:rPr lang="en-US" altLang="zh-CN" dirty="0"/>
+              <a:t>syntax ,</a:t>
+            </a:r>
+            <a:r>
+              <a:rPr lang="zh-CN" altLang="en-US" dirty="0"/>
+              <a:t>像 箭头函数，</a:t>
+            </a:r>
+            <a:r>
+              <a:rPr lang="en-US" altLang="zh-CN" dirty="0" err="1"/>
+              <a:t>let,const,class</a:t>
+            </a:r>
+            <a:r>
+              <a:rPr lang="en-US" altLang="zh-CN" dirty="0"/>
+              <a:t>, </a:t>
+            </a:r>
+            <a:r>
+              <a:rPr lang="zh-CN" altLang="en-US" dirty="0"/>
+              <a:t>依赖注入 </a:t>
+            </a:r>
+            <a:r>
+              <a:rPr lang="en-US" altLang="zh-CN" dirty="0"/>
+              <a:t>Decorators,</a:t>
+            </a:r>
+            <a:r>
+              <a:rPr lang="zh-CN" altLang="en-US" dirty="0"/>
+              <a:t>等等这些，我们在 </a:t>
+            </a:r>
+            <a:r>
+              <a:rPr lang="en-US" altLang="zh-CN" dirty="0" err="1"/>
+              <a:t>Javascript</a:t>
+            </a:r>
+            <a:r>
+              <a:rPr lang="en-US" altLang="zh-CN" dirty="0"/>
+              <a:t> </a:t>
+            </a:r>
+            <a:r>
+              <a:rPr lang="zh-CN" altLang="en-US" dirty="0"/>
+              <a:t>在运行是无法重写的，想象下，在不支持的浏览器里不管怎么样，你都用不了 </a:t>
+            </a:r>
+            <a:r>
+              <a:rPr lang="en-US" altLang="zh-CN" dirty="0"/>
+              <a:t>let </a:t>
+            </a:r>
+            <a:r>
+              <a:rPr lang="zh-CN" altLang="en-US" dirty="0"/>
+              <a:t>这个关键字</a:t>
+            </a:r>
+          </a:p>
+          <a:p>
+            <a:r>
+              <a:rPr lang="zh-CN" altLang="en-US" dirty="0"/>
+              <a:t>先说 </a:t>
+            </a:r>
+            <a:r>
+              <a:rPr lang="en-US" altLang="zh-CN" dirty="0" err="1"/>
+              <a:t>api</a:t>
+            </a:r>
+            <a:r>
+              <a:rPr lang="en-US" altLang="zh-CN" dirty="0"/>
+              <a:t> , </a:t>
+            </a:r>
+            <a:r>
+              <a:rPr lang="en-US" altLang="zh-CN" dirty="0" err="1"/>
+              <a:t>api</a:t>
+            </a:r>
+            <a:r>
+              <a:rPr lang="en-US" altLang="zh-CN" dirty="0"/>
+              <a:t> </a:t>
+            </a:r>
+            <a:r>
+              <a:rPr lang="zh-CN" altLang="en-US" dirty="0"/>
+              <a:t>指那些我们可以通过 函数重新覆盖的语法 ，类似 </a:t>
+            </a:r>
+            <a:r>
+              <a:rPr lang="en-US" altLang="zh-CN" dirty="0" err="1"/>
+              <a:t>includes,map,includes,Promise</a:t>
+            </a:r>
+            <a:r>
+              <a:rPr lang="en-US" altLang="zh-CN" dirty="0"/>
+              <a:t>,</a:t>
+            </a:r>
+            <a:r>
+              <a:rPr lang="zh-CN" altLang="en-US" dirty="0"/>
+              <a:t>凡是我们能想到重写的都可以归属到 </a:t>
+            </a:r>
+            <a:r>
+              <a:rPr lang="en-US" altLang="zh-CN" dirty="0" err="1"/>
+              <a:t>api</a:t>
+            </a:r>
+            <a:endParaRPr lang="en-US" altLang="zh-CN" dirty="0"/>
+          </a:p>
           <a:p>
             <a:endParaRPr kumimoji="1" lang="zh-CN" altLang="en-US" dirty="0"/>
           </a:p>
@@ -14355,6 +15723,417 @@
     <p:extLst>
       <p:ext uri="{BB962C8B-B14F-4D97-AF65-F5344CB8AC3E}">
         <p14:creationId xmlns:p14="http://schemas.microsoft.com/office/powerpoint/2010/main" val="1222518230"/>
+      </p:ext>
+    </p:extLst>
+  </p:cSld>
+  <p:clrMapOvr>
+    <a:masterClrMapping/>
+  </p:clrMapOvr>
+</p:sld>
+</file>
+
+<file path=ppt/slides/slide9.xml><?xml version="1.0" encoding="utf-8"?>
+<p:sld xmlns:a="http://schemas.openxmlformats.org/drawingml/2006/main" xmlns:r="http://schemas.openxmlformats.org/officeDocument/2006/relationships" xmlns:p="http://schemas.openxmlformats.org/presentationml/2006/main">
+  <p:cSld>
+    <p:spTree>
+      <p:nvGrpSpPr>
+        <p:cNvPr id="1" name=""/>
+        <p:cNvGrpSpPr/>
+        <p:nvPr/>
+      </p:nvGrpSpPr>
+      <p:grpSpPr>
+        <a:xfrm>
+          <a:off x="0" y="0"/>
+          <a:ext cx="0" cy="0"/>
+          <a:chOff x="0" y="0"/>
+          <a:chExt cx="0" cy="0"/>
+        </a:xfrm>
+      </p:grpSpPr>
+      <p:sp>
+        <p:nvSpPr>
+          <p:cNvPr id="2" name="标题 1"/>
+          <p:cNvSpPr>
+            <a:spLocks noGrp="1"/>
+          </p:cNvSpPr>
+          <p:nvPr>
+            <p:ph type="title"/>
+          </p:nvPr>
+        </p:nvSpPr>
+        <p:spPr>
+          <a:xfrm>
+            <a:off x="1154954" y="1010738"/>
+            <a:ext cx="8761413" cy="706964"/>
+          </a:xfrm>
+        </p:spPr>
+        <p:txBody>
+          <a:bodyPr/>
+          <a:lstStyle/>
+          <a:p>
+            <a:r>
+              <a:rPr lang="en-US" altLang="zh-CN" sz="2400" dirty="0"/>
+              <a:t>@babel/runtime, @babel/plugin-transform-runtime </a:t>
+            </a:r>
+            <a:r>
+              <a:rPr lang="en-US" altLang="zh-CN" dirty="0"/>
+              <a:t/>
+            </a:r>
+            <a:br>
+              <a:rPr lang="en-US" altLang="zh-CN" dirty="0"/>
+            </a:br>
+            <a:endParaRPr kumimoji="1" lang="zh-CN" altLang="en-US" dirty="0"/>
+          </a:p>
+        </p:txBody>
+      </p:sp>
+      <p:sp>
+        <p:nvSpPr>
+          <p:cNvPr id="3" name="内容占位符 2"/>
+          <p:cNvSpPr>
+            <a:spLocks noGrp="1"/>
+          </p:cNvSpPr>
+          <p:nvPr>
+            <p:ph idx="1"/>
+          </p:nvPr>
+        </p:nvSpPr>
+        <p:spPr>
+          <a:xfrm>
+            <a:off x="1154954" y="2603499"/>
+            <a:ext cx="9397716" cy="4044435"/>
+          </a:xfrm>
+        </p:spPr>
+        <p:txBody>
+          <a:bodyPr>
+            <a:normAutofit/>
+          </a:bodyPr>
+          <a:lstStyle/>
+          <a:p>
+            <a:r>
+              <a:rPr lang="mr-IN" altLang="zh-CN" dirty="0"/>
+              <a:t>@</a:t>
+            </a:r>
+            <a:r>
+              <a:rPr lang="mr-IN" altLang="zh-CN" dirty="0" err="1"/>
+              <a:t>babel</a:t>
+            </a:r>
+            <a:r>
+              <a:rPr lang="mr-IN" altLang="zh-CN" dirty="0"/>
+              <a:t>/</a:t>
+            </a:r>
+            <a:r>
+              <a:rPr lang="mr-IN" altLang="zh-CN" dirty="0" err="1"/>
+              <a:t>plugin-transform-runtime</a:t>
+            </a:r>
+            <a:r>
+              <a:rPr lang="mr-IN" altLang="zh-CN" dirty="0"/>
+              <a:t/>
+            </a:r>
+            <a:br>
+              <a:rPr lang="mr-IN" altLang="zh-CN" dirty="0"/>
+            </a:br>
+            <a:r>
+              <a:rPr lang="zh-CN" altLang="mr-IN" dirty="0"/>
+              <a:t>运行时引入 </a:t>
+            </a:r>
+            <a:r>
+              <a:rPr lang="mr-IN" altLang="zh-CN" dirty="0" err="1"/>
+              <a:t>generators</a:t>
+            </a:r>
+            <a:r>
+              <a:rPr lang="mr-IN" altLang="zh-CN" dirty="0"/>
+              <a:t>/</a:t>
+            </a:r>
+            <a:r>
+              <a:rPr lang="mr-IN" altLang="zh-CN" dirty="0" err="1"/>
+              <a:t>async</a:t>
+            </a:r>
+            <a:r>
+              <a:rPr lang="zh-CN" altLang="mr-IN" dirty="0"/>
+              <a:t>、</a:t>
+            </a:r>
+            <a:r>
+              <a:rPr lang="mr-IN" altLang="zh-CN" dirty="0" err="1"/>
+              <a:t>babel-runtime</a:t>
+            </a:r>
+            <a:r>
+              <a:rPr lang="mr-IN" altLang="zh-CN" dirty="0"/>
+              <a:t>/</a:t>
+            </a:r>
+            <a:r>
+              <a:rPr lang="mr-IN" altLang="zh-CN" dirty="0" err="1"/>
+              <a:t>core-js</a:t>
+            </a:r>
+            <a:r>
+              <a:rPr lang="zh-CN" altLang="mr-IN" dirty="0"/>
+              <a:t>（</a:t>
+            </a:r>
+            <a:r>
+              <a:rPr lang="mr-IN" altLang="zh-CN" dirty="0"/>
+              <a:t>ES6-&gt;</a:t>
+            </a:r>
+            <a:r>
+              <a:rPr lang="mr-IN" altLang="zh-CN" dirty="0" err="1"/>
+              <a:t>includes</a:t>
+            </a:r>
+            <a:r>
+              <a:rPr lang="mr-IN" altLang="zh-CN" dirty="0"/>
+              <a:t>....</a:t>
+            </a:r>
+            <a:r>
+              <a:rPr lang="zh-CN" altLang="mr-IN" dirty="0"/>
+              <a:t>）不会污染全局环境</a:t>
+            </a:r>
+            <a:r>
+              <a:rPr lang="zh-CN" altLang="mr-IN" dirty="0" smtClean="0"/>
+              <a:t>。</a:t>
+            </a:r>
+            <a:endParaRPr lang="en-US" altLang="zh-CN" dirty="0" smtClean="0"/>
+          </a:p>
+          <a:p>
+            <a:r>
+              <a:rPr lang="en-US" altLang="zh-CN" dirty="0"/>
+              <a:t>@babel/preset-</a:t>
+            </a:r>
+            <a:r>
+              <a:rPr lang="en-US" altLang="zh-CN" dirty="0" err="1"/>
+              <a:t>env</a:t>
+            </a:r>
+            <a:r>
+              <a:rPr lang="en-US" altLang="zh-CN" dirty="0"/>
+              <a:t/>
+            </a:r>
+            <a:br>
+              <a:rPr lang="en-US" altLang="zh-CN" dirty="0"/>
+            </a:br>
+            <a:r>
+              <a:rPr lang="zh-CN" altLang="en-US" dirty="0"/>
+              <a:t>转化最新语法如箭头函数</a:t>
+            </a:r>
+            <a:r>
+              <a:rPr lang="en-US" altLang="zh-CN" dirty="0"/>
+              <a:t>, class, </a:t>
+            </a:r>
+            <a:r>
+              <a:rPr lang="zh-CN" altLang="en-US" dirty="0"/>
+              <a:t>扩展运算符，想要转换最新的</a:t>
+            </a:r>
+            <a:r>
+              <a:rPr lang="en-US" altLang="zh-CN" dirty="0" err="1"/>
+              <a:t>api</a:t>
+            </a:r>
+            <a:r>
+              <a:rPr lang="zh-CN" altLang="en-US" dirty="0"/>
+              <a:t>还需引入</a:t>
+            </a:r>
+            <a:r>
+              <a:rPr lang="en-US" altLang="zh-CN" dirty="0"/>
+              <a:t>babel-</a:t>
+            </a:r>
+            <a:r>
+              <a:rPr lang="en-US" altLang="zh-CN" dirty="0" err="1"/>
+              <a:t>polyfill</a:t>
+            </a:r>
+            <a:r>
+              <a:rPr lang="zh-CN" altLang="en-US" dirty="0"/>
+              <a:t>（</a:t>
+            </a:r>
+            <a:r>
+              <a:rPr lang="en-US" altLang="zh-CN" dirty="0" err="1"/>
+              <a:t>eg</a:t>
+            </a:r>
+            <a:r>
+              <a:rPr lang="en-US" altLang="zh-CN" dirty="0"/>
+              <a:t>: includes</a:t>
+            </a:r>
+            <a:r>
+              <a:rPr lang="zh-CN" altLang="en-US" dirty="0" smtClean="0"/>
+              <a:t>）</a:t>
+            </a:r>
+            <a:endParaRPr lang="en-US" altLang="zh-CN" dirty="0" smtClean="0"/>
+          </a:p>
+          <a:p>
+            <a:r>
+              <a:rPr lang="en-US" altLang="zh-CN" dirty="0"/>
+              <a:t>@babel/</a:t>
+            </a:r>
+            <a:r>
+              <a:rPr lang="en-US" altLang="zh-CN" dirty="0" err="1"/>
+              <a:t>polyfill</a:t>
+            </a:r>
+            <a:r>
+              <a:rPr lang="en-US" altLang="zh-CN" dirty="0"/>
+              <a:t/>
+            </a:r>
+            <a:br>
+              <a:rPr lang="en-US" altLang="zh-CN" dirty="0"/>
+            </a:br>
+            <a:r>
+              <a:rPr lang="zh-CN" altLang="en-US" dirty="0"/>
+              <a:t>一些新的</a:t>
+            </a:r>
+            <a:r>
+              <a:rPr lang="en-US" altLang="zh-CN" dirty="0" err="1"/>
+              <a:t>api</a:t>
+            </a:r>
+            <a:r>
+              <a:rPr lang="zh-CN" altLang="en-US" dirty="0"/>
+              <a:t>：</a:t>
+            </a:r>
+            <a:r>
+              <a:rPr lang="en-US" altLang="zh-CN" dirty="0"/>
+              <a:t>Iterator</a:t>
+            </a:r>
+            <a:r>
+              <a:rPr lang="zh-CN" altLang="en-US" dirty="0"/>
+              <a:t>、</a:t>
+            </a:r>
+            <a:r>
+              <a:rPr lang="en-US" altLang="zh-CN" dirty="0"/>
+              <a:t>Generator</a:t>
+            </a:r>
+            <a:r>
+              <a:rPr lang="zh-CN" altLang="en-US" dirty="0"/>
+              <a:t>、</a:t>
+            </a:r>
+            <a:r>
+              <a:rPr lang="en-US" altLang="zh-CN" dirty="0"/>
+              <a:t>Set</a:t>
+            </a:r>
+            <a:r>
+              <a:rPr lang="zh-CN" altLang="en-US" dirty="0"/>
+              <a:t>、</a:t>
+            </a:r>
+            <a:r>
+              <a:rPr lang="en-US" altLang="zh-CN" dirty="0"/>
+              <a:t>Map</a:t>
+            </a:r>
+            <a:r>
+              <a:rPr lang="zh-CN" altLang="en-US" dirty="0"/>
+              <a:t>、</a:t>
+            </a:r>
+            <a:r>
+              <a:rPr lang="en-US" altLang="zh-CN" dirty="0"/>
+              <a:t>Proxy</a:t>
+            </a:r>
+            <a:r>
+              <a:rPr lang="zh-CN" altLang="en-US" dirty="0"/>
+              <a:t>、</a:t>
+            </a:r>
+            <a:r>
+              <a:rPr lang="en-US" altLang="zh-CN" dirty="0"/>
+              <a:t>Reflect</a:t>
+            </a:r>
+            <a:r>
+              <a:rPr lang="zh-CN" altLang="en-US" dirty="0"/>
+              <a:t>、</a:t>
+            </a:r>
+            <a:r>
+              <a:rPr lang="en-US" altLang="zh-CN" dirty="0"/>
+              <a:t>Symbol</a:t>
+            </a:r>
+            <a:r>
+              <a:rPr lang="zh-CN" altLang="en-US" dirty="0"/>
+              <a:t>、</a:t>
+            </a:r>
+            <a:r>
+              <a:rPr lang="en-US" altLang="zh-CN" dirty="0"/>
+              <a:t>Promise</a:t>
+            </a:r>
+            <a:r>
+              <a:rPr lang="zh-CN" altLang="en-US" dirty="0"/>
+              <a:t>等全局对象，以及一些定义在全局对象上的方法（比如</a:t>
+            </a:r>
+            <a:r>
+              <a:rPr lang="en-US" altLang="zh-CN" dirty="0" err="1"/>
+              <a:t>Object.assign</a:t>
+            </a:r>
+            <a:r>
+              <a:rPr lang="zh-CN" altLang="en-US" dirty="0"/>
+              <a:t>）都不会转码。</a:t>
+            </a:r>
+            <a:r>
+              <a:rPr lang="en-US" altLang="zh-CN" dirty="0"/>
+              <a:t/>
+            </a:r>
+            <a:br>
+              <a:rPr lang="en-US" altLang="zh-CN" dirty="0"/>
+            </a:br>
+            <a:r>
+              <a:rPr lang="en-US" altLang="zh-CN" dirty="0"/>
+              <a:t>ES6 </a:t>
+            </a:r>
+            <a:r>
+              <a:rPr lang="zh-CN" altLang="en-US" dirty="0"/>
+              <a:t>在</a:t>
+            </a:r>
+            <a:r>
+              <a:rPr lang="en-US" altLang="zh-CN" dirty="0"/>
+              <a:t>Array</a:t>
+            </a:r>
+            <a:r>
+              <a:rPr lang="zh-CN" altLang="en-US" dirty="0"/>
+              <a:t>对象上新增了</a:t>
+            </a:r>
+            <a:r>
+              <a:rPr lang="en-US" altLang="zh-CN" dirty="0" err="1"/>
+              <a:t>Array.from</a:t>
+            </a:r>
+            <a:r>
+              <a:rPr lang="zh-CN" altLang="en-US" dirty="0" smtClean="0"/>
+              <a:t>方法</a:t>
+            </a:r>
+            <a:endParaRPr lang="en-US" altLang="zh-CN" dirty="0" smtClean="0"/>
+          </a:p>
+          <a:p>
+            <a:r>
+              <a:rPr lang="en-US" altLang="zh-CN" dirty="0"/>
+              <a:t>@babel-core</a:t>
+            </a:r>
+            <a:r>
+              <a:rPr lang="zh-CN" altLang="en-US" dirty="0"/>
+              <a:t/>
+            </a:r>
+            <a:br>
+              <a:rPr lang="zh-CN" altLang="en-US" dirty="0"/>
+            </a:br>
+            <a:r>
+              <a:rPr lang="en-US" altLang="zh-CN" dirty="0"/>
+              <a:t>babel-core </a:t>
+            </a:r>
+            <a:r>
+              <a:rPr lang="zh-CN" altLang="en-US" dirty="0"/>
+              <a:t>的作用是把 </a:t>
+            </a:r>
+            <a:r>
+              <a:rPr lang="en-US" altLang="zh-CN" dirty="0" err="1"/>
+              <a:t>js</a:t>
+            </a:r>
+            <a:r>
+              <a:rPr lang="en-US" altLang="zh-CN" dirty="0"/>
+              <a:t> </a:t>
+            </a:r>
+            <a:r>
+              <a:rPr lang="zh-CN" altLang="en-US" dirty="0"/>
+              <a:t>代码分析成 </a:t>
+            </a:r>
+            <a:r>
+              <a:rPr lang="en-US" altLang="zh-CN" dirty="0" err="1"/>
+              <a:t>ast</a:t>
+            </a:r>
+            <a:r>
+              <a:rPr lang="en-US" altLang="zh-CN" dirty="0"/>
+              <a:t> </a:t>
+            </a:r>
+            <a:r>
+              <a:rPr lang="zh-CN" altLang="en-US" dirty="0"/>
+              <a:t>，方便各个插件分析语法进行相应的处理</a:t>
+            </a:r>
+            <a:endParaRPr kumimoji="1" lang="zh-CN" altLang="en-US" dirty="0"/>
+          </a:p>
+        </p:txBody>
+      </p:sp>
+    </p:spTree>
+    <p:extLst>
+      <p:ext uri="{BB962C8B-B14F-4D97-AF65-F5344CB8AC3E}">
+        <p14:creationId xmlns:p14="http://schemas.microsoft.com/office/powerpoint/2010/main" val="1010939382"/>
       </p:ext>
     </p:extLst>
   </p:cSld>
